--- a/Artefakte/WS2324_HausenHeSancak_Audit2.pptx
+++ b/Artefakte/WS2324_HausenHeSancak_Audit2.pptx
@@ -14,9 +14,9 @@
     <p:sldId id="298" r:id="rId8"/>
     <p:sldId id="304" r:id="rId9"/>
     <p:sldId id="261" r:id="rId10"/>
-    <p:sldId id="307" r:id="rId11"/>
+    <p:sldId id="313" r:id="rId11"/>
     <p:sldId id="257" r:id="rId12"/>
-    <p:sldId id="300" r:id="rId13"/>
+    <p:sldId id="312" r:id="rId13"/>
     <p:sldId id="296" r:id="rId14"/>
     <p:sldId id="258" r:id="rId15"/>
     <p:sldId id="301" r:id="rId16"/>
@@ -29,19 +29,19 @@
   <p:notesSz cx="6858000" cy="9144000"/>
   <p:embeddedFontLst>
     <p:embeddedFont>
-      <p:font typeface="Gill Sans" panose="020B0600070205080204" charset="0"/>
+      <p:font typeface="Gill Sans" panose="020B0604020202020204" charset="0"/>
       <p:regular r:id="rId22"/>
       <p:bold r:id="rId23"/>
     </p:embeddedFont>
     <p:embeddedFont>
-      <p:font typeface="Helvetica Neue" panose="020B0600070205080204" charset="0"/>
+      <p:font typeface="Helvetica Neue" panose="020B0604020202020204" charset="0"/>
       <p:regular r:id="rId24"/>
       <p:bold r:id="rId25"/>
       <p:italic r:id="rId26"/>
       <p:boldItalic r:id="rId27"/>
     </p:embeddedFont>
     <p:embeddedFont>
-      <p:font typeface="Helvetica Neue Light" panose="020B0600070205080204" charset="0"/>
+      <p:font typeface="Helvetica Neue Light" panose="020B0604020202020204" charset="0"/>
       <p:regular r:id="rId28"/>
       <p:bold r:id="rId29"/>
       <p:italic r:id="rId30"/>
@@ -58,6 +58,13 @@
       <p:font typeface="Roboto Slab" pitchFamily="2" charset="0"/>
       <p:regular r:id="rId36"/>
       <p:bold r:id="rId37"/>
+    </p:embeddedFont>
+    <p:embeddedFont>
+      <p:font typeface="Segoe UI" panose="020B0502040204020203" pitchFamily="34" charset="0"/>
+      <p:regular r:id="rId38"/>
+      <p:bold r:id="rId39"/>
+      <p:italic r:id="rId40"/>
+      <p:boldItalic r:id="rId41"/>
     </p:embeddedFont>
   </p:embeddedFontLst>
   <p:defaultTextStyle>
@@ -293,6 +300,9 @@
     <p:ext uri="{EFAFB233-063F-42B5-8137-9DF3F51BA10A}">
       <p15:sldGuideLst xmlns:p15="http://schemas.microsoft.com/office/powerpoint/2012/main"/>
     </p:ext>
+    <p:ext uri="{2D200454-40CA-4A62-9FC3-DE9A4176ACB9}">
+      <p15:notesGuideLst xmlns:p15="http://schemas.microsoft.com/office/powerpoint/2012/main"/>
+    </p:ext>
     <p:ext uri="http://customooxmlschemas.google.com/">
       <go:slidesCustomData xmlns="" xmlns:go="http://customooxmlschemas.google.com/" xmlns:ahyp="http://schemas.microsoft.com/office/drawing/2018/hyperlinkcolor" xmlns:p15="http://schemas.microsoft.com/office/powerpoint/2012/main" xmlns:p14="http://schemas.microsoft.com/office/powerpoint/2010/main" xmlns:com="http://schemas.openxmlformats.org/drawingml/2006/compatibility" xmlns:pvml="urn:schemas-microsoft-com:office:powerpoint" xmlns:v="urn:schemas-microsoft-com:vml" xmlns:o="urn:schemas-microsoft-com:office:office" xmlns:dgm="http://schemas.openxmlformats.org/drawingml/2006/diagram" xmlns:c="http://schemas.openxmlformats.org/drawingml/2006/chart" xmlns:mv="urn:schemas-microsoft-com:mac:vml" xmlns:mc="http://schemas.openxmlformats.org/markup-compatibility/2006" r:id="rId47" roundtripDataSignature="AMtx7mimICv9YlzhO8JUkVatL8Va69Fidw=="/>
     </p:ext>
@@ -306,6 +316,8 @@
     <p1510:client id="{117AD3BD-35FF-DB72-42AE-9BF2C6CC5DEC}" v="677" dt="2023-12-07T15:07:58.927"/>
     <p1510:client id="{54ACCB95-A922-4E2E-961B-26DAF0255CFB}" v="1038" vWet="1040" dt="2023-12-07T14:46:28.695"/>
     <p1510:client id="{E7092A0D-B00D-C80F-7FEB-AB9B2116690A}" v="845" dt="2023-12-07T14:58:42.334"/>
+    <p1510:client id="{F2C92021-22A5-48F5-A899-4079B6FF8206}" v="200" dt="2023-12-07T15:32:37.132"/>
+    <p1510:client id="{FCE177F5-1BF0-4203-AC42-76E1D1907218}" v="112" dt="2023-12-07T15:55:46.559"/>
   </p1510:revLst>
 </p1510:revInfo>
 </file>
@@ -1476,7 +1488,15 @@
             <a:pPr marL="0" indent="0"/>
             <a:r>
               <a:rPr lang="de-DE" sz="1400" dirty="0"/>
-              <a:t>Frühe Spieleprototypen sind nicht auf BGG erfasst und somit wären diese für unser System verfügbar. Wir würden also Spieleentwickler darum bitten nach dem BGG Schema ihre Prototypen einzuordnen. Diese Information muss dann von uns gespeichert werden, damit der Matchingalgorithmus in der Lage ist, die Prototypen vorzuschlagen. </a:t>
+              <a:t>Frühe Spieleprototypen sind nicht auf BGG erfasst und somit wären diese für unser System verfügbar. Wir würden also Spieleentwickler darum bitten, nach dem BGG Schema ihre Prototypen einzuordnen. Diese Information muss dann von uns gespeichert werden, damit der </a:t>
+            </a:r>
+            <a:r>
+              <a:rPr lang="de-DE" sz="1400" dirty="0" err="1"/>
+              <a:t>Matchingalgorithmus</a:t>
+            </a:r>
+            <a:r>
+              <a:rPr lang="de-DE" sz="1400" dirty="0"/>
+              <a:t> in der Lage ist, die Prototypen vorzuschlagen. </a:t>
             </a:r>
           </a:p>
         </p:txBody>
@@ -2370,21 +2390,10 @@
           </a:bodyPr>
           <a:lstStyle/>
           <a:p>
+            <a:pPr marL="0" indent="0"/>
             <a:r>
-              <a:rPr lang="de-DE" sz="1400" dirty="0"/>
-              <a:t>Wir haben für die Veranschaulichung der Use Cases unterschiedliche Szenarien erstellt, um die Funktionen der App zu erleuchten. Es wurden Nutzer mit verschiedenen Problemen </a:t>
-            </a:r>
-          </a:p>
-          <a:p>
-            <a:r>
-              <a:rPr lang="de-DE" sz="1400" dirty="0"/>
-              <a:t>erschaffen, welche durch die App oder Teilfunktionen der App gelöst werden sollen. </a:t>
-            </a:r>
-          </a:p>
-          <a:p>
-            <a:r>
-              <a:rPr lang="de-DE" sz="1400" dirty="0"/>
-              <a:t>Im Vordergrund stand aber vor allem das Finden von anderen Mitspielern mit ähnlichen Interessen. </a:t>
+              <a:rPr lang="de-DE" sz="1400"/>
+              <a:t>Wir haben für die Veranschaulichung der Use Cases unterschiedliche Szenarien erstellt, um die Funktionen der App zu erleuchten. Es wurden Nutzer mit verschiedenen Problemen erschaffen, welche durch die App oder Teilfunktionen der App gelöst werden sollen. Im Vordergrund stand aber vor allem das Finden von anderen Mitspielern mit ähnlichen Interessen. </a:t>
             </a:r>
             <a:r>
               <a:rPr lang="de-DE" sz="1400" dirty="0">
@@ -2392,7 +2401,7 @@
               </a:rPr>
               <a:t>(alle Szenarien)</a:t>
             </a:r>
-            <a:endParaRPr lang="de-DE" sz="1400" dirty="0"/>
+            <a:endParaRPr lang="de-DE"/>
           </a:p>
         </p:txBody>
       </p:sp>
@@ -2440,7 +2449,7 @@
     </p:spTree>
     <p:extLst>
       <p:ext uri="{BB962C8B-B14F-4D97-AF65-F5344CB8AC3E}">
-        <p14:creationId xmlns:p14="http://schemas.microsoft.com/office/powerpoint/2010/main" val="3014167212"/>
+        <p14:creationId xmlns:p14="http://schemas.microsoft.com/office/powerpoint/2010/main" val="2025793255"/>
       </p:ext>
     </p:extLst>
   </p:cSld>
@@ -2664,7 +2673,7 @@
     </p:spTree>
     <p:extLst>
       <p:ext uri="{BB962C8B-B14F-4D97-AF65-F5344CB8AC3E}">
-        <p14:creationId xmlns:p14="http://schemas.microsoft.com/office/powerpoint/2010/main" val="3939220281"/>
+        <p14:creationId xmlns:p14="http://schemas.microsoft.com/office/powerpoint/2010/main" val="2714580461"/>
       </p:ext>
     </p:extLst>
   </p:cSld>
@@ -2939,7 +2948,7 @@
             </a:pPr>
             <a:fld id="{00000000-1234-1234-1234-123412341234}" type="slidenum">
               <a:rPr lang="en-US"/>
-              <a:t>‹#›</a:t>
+              <a:t>‹Nr.›</a:t>
             </a:fld>
             <a:endParaRPr/>
           </a:p>
@@ -3291,7 +3300,7 @@
             </a:pPr>
             <a:fld id="{00000000-1234-1234-1234-123412341234}" type="slidenum">
               <a:rPr lang="en-US"/>
-              <a:t>‹#›</a:t>
+              <a:t>‹Nr.›</a:t>
             </a:fld>
             <a:endParaRPr/>
           </a:p>
@@ -3952,7 +3961,7 @@
             </a:pPr>
             <a:fld id="{00000000-1234-1234-1234-123412341234}" type="slidenum">
               <a:rPr lang="en-US"/>
-              <a:t>‹#›</a:t>
+              <a:t>‹Nr.›</a:t>
             </a:fld>
             <a:endParaRPr/>
           </a:p>
@@ -4256,7 +4265,7 @@
             </a:pPr>
             <a:fld id="{00000000-1234-1234-1234-123412341234}" type="slidenum">
               <a:rPr lang="en-US"/>
-              <a:t>‹#›</a:t>
+              <a:t>‹Nr.›</a:t>
             </a:fld>
             <a:endParaRPr/>
           </a:p>
@@ -4939,7 +4948,7 @@
             </a:pPr>
             <a:fld id="{00000000-1234-1234-1234-123412341234}" type="slidenum">
               <a:rPr lang="en-US"/>
-              <a:t>‹#›</a:t>
+              <a:t>‹Nr.›</a:t>
             </a:fld>
             <a:endParaRPr sz="1600"/>
           </a:p>
@@ -5595,7 +5604,7 @@
             </a:pPr>
             <a:fld id="{00000000-1234-1234-1234-123412341234}" type="slidenum">
               <a:rPr lang="en-US"/>
-              <a:t>‹#›</a:t>
+              <a:t>‹Nr.›</a:t>
             </a:fld>
             <a:endParaRPr sz="1600"/>
           </a:p>
@@ -6254,7 +6263,7 @@
             </a:pPr>
             <a:fld id="{00000000-1234-1234-1234-123412341234}" type="slidenum">
               <a:rPr lang="en-US"/>
-              <a:t>‹#›</a:t>
+              <a:t>‹Nr.›</a:t>
             </a:fld>
             <a:endParaRPr/>
           </a:p>
@@ -6937,7 +6946,7 @@
             </a:pPr>
             <a:fld id="{00000000-1234-1234-1234-123412341234}" type="slidenum">
               <a:rPr lang="en-US"/>
-              <a:t>‹#›</a:t>
+              <a:t>‹Nr.›</a:t>
             </a:fld>
             <a:endParaRPr/>
           </a:p>
@@ -7404,7 +7413,7 @@
             </a:pPr>
             <a:fld id="{00000000-1234-1234-1234-123412341234}" type="slidenum">
               <a:rPr lang="en-US"/>
-              <a:t>‹#›</a:t>
+              <a:t>‹Nr.›</a:t>
             </a:fld>
             <a:endParaRPr/>
           </a:p>
@@ -8088,7 +8097,7 @@
             </a:pPr>
             <a:fld id="{00000000-1234-1234-1234-123412341234}" type="slidenum">
               <a:rPr lang="en-US"/>
-              <a:t>‹#›</a:t>
+              <a:t>‹Nr.›</a:t>
             </a:fld>
             <a:endParaRPr/>
           </a:p>
@@ -8555,7 +8564,7 @@
             </a:pPr>
             <a:fld id="{00000000-1234-1234-1234-123412341234}" type="slidenum">
               <a:rPr lang="en-US"/>
-              <a:t>‹#›</a:t>
+              <a:t>‹Nr.›</a:t>
             </a:fld>
             <a:endParaRPr/>
           </a:p>
@@ -9265,7 +9274,7 @@
             </a:pPr>
             <a:fld id="{00000000-1234-1234-1234-123412341234}" type="slidenum">
               <a:rPr lang="en-US"/>
-              <a:t>‹#›</a:t>
+              <a:t>‹Nr.›</a:t>
             </a:fld>
             <a:endParaRPr/>
           </a:p>
@@ -9948,7 +9957,7 @@
             </a:pPr>
             <a:fld id="{00000000-1234-1234-1234-123412341234}" type="slidenum">
               <a:rPr lang="en-US"/>
-              <a:t>‹#›</a:t>
+              <a:t>‹Nr.›</a:t>
             </a:fld>
             <a:endParaRPr/>
           </a:p>
@@ -10415,7 +10424,7 @@
             </a:pPr>
             <a:fld id="{00000000-1234-1234-1234-123412341234}" type="slidenum">
               <a:rPr lang="en-US"/>
-              <a:t>‹#›</a:t>
+              <a:t>‹Nr.›</a:t>
             </a:fld>
             <a:endParaRPr/>
           </a:p>
@@ -11266,7 +11275,7 @@
             </a:pPr>
             <a:fld id="{00000000-1234-1234-1234-123412341234}" type="slidenum">
               <a:rPr lang="en-US"/>
-              <a:t>‹#›</a:t>
+              <a:t>‹Nr.›</a:t>
             </a:fld>
             <a:endParaRPr sz="1400">
               <a:latin typeface="Arial"/>
@@ -14381,7 +14390,7 @@
         <p:spPr>
           <a:xfrm>
             <a:off x="768350" y="1587498"/>
-            <a:ext cx="11474450" cy="8309967"/>
+            <a:ext cx="11474450" cy="8540800"/>
           </a:xfrm>
           <a:prstGeom prst="rect">
             <a:avLst/>
@@ -14398,37 +14407,37 @@
           <a:lstStyle/>
           <a:p>
             <a:r>
-              <a:rPr lang="de-DE" sz="1500" b="1">
+              <a:rPr lang="de-DE" sz="1500" b="1" dirty="0">
                 <a:solidFill>
                   <a:schemeClr val="tx1"/>
                 </a:solidFill>
-                <a:latin typeface="PT Sans" panose="020B0503020203020204" pitchFamily="34" charset="0"/>
+                <a:latin typeface="PT Sans"/>
               </a:rPr>
               <a:t>Proof </a:t>
             </a:r>
             <a:r>
-              <a:rPr lang="de-DE" sz="1500" b="1" err="1">
+              <a:rPr lang="de-DE" sz="1500" b="1" dirty="0" err="1">
                 <a:solidFill>
                   <a:schemeClr val="tx1"/>
                 </a:solidFill>
-                <a:latin typeface="PT Sans" panose="020B0503020203020204" pitchFamily="34" charset="0"/>
+                <a:latin typeface="PT Sans"/>
               </a:rPr>
               <a:t>of</a:t>
             </a:r>
             <a:r>
-              <a:rPr lang="de-DE" sz="1500" b="1">
+              <a:rPr lang="de-DE" sz="1500" b="1" dirty="0">
                 <a:solidFill>
                   <a:schemeClr val="tx1"/>
                 </a:solidFill>
-                <a:latin typeface="PT Sans" panose="020B0503020203020204" pitchFamily="34" charset="0"/>
+                <a:latin typeface="PT Sans"/>
               </a:rPr>
               <a:t> Concept für Empfehlungen</a:t>
             </a:r>
-            <a:endParaRPr lang="de-DE">
+            <a:endParaRPr lang="de-DE" dirty="0">
               <a:solidFill>
                 <a:schemeClr val="tx1"/>
               </a:solidFill>
-              <a:latin typeface="PT Sans" panose="020B0503020203020204" pitchFamily="34" charset="0"/>
+              <a:latin typeface="PT Sans"/>
             </a:endParaRPr>
           </a:p>
           <a:p>
@@ -14441,197 +14450,197 @@
           </a:p>
           <a:p>
             <a:r>
-              <a:rPr lang="de-DE" sz="1500">
+              <a:rPr lang="de-DE" sz="1500" dirty="0">
                 <a:solidFill>
                   <a:schemeClr val="tx1"/>
                 </a:solidFill>
-                <a:latin typeface="PT Sans" panose="020B0503020203020204" pitchFamily="34" charset="0"/>
+                <a:latin typeface="PT Sans"/>
               </a:rPr>
               <a:t>Personalisierte Empfehlungen sollen anhand von Nutzerdaten in der App angezeigt werden. Die Nutzerdaten beinhalten den Standort, präferierte Brettspielgenres, Alter der Person, Erfahrungsgrad, Suchverlauf, und zuvor aufgerufene Inhalte. Für die Kategorisierung der Inhalte werden diese mit Metadaten versehen. Die Metadaten der Brettspiele beinhalten Brettspielgenres, Altersempfehlung, Komplexität und Anzahl der Aufrufe. Für die Gruppensuche werden die Metadaten Standort, Brettspielgenres, Alter für die Veranstaltung und Erfahrungsgrad benötigt.</a:t>
             </a:r>
-            <a:endParaRPr lang="de-DE">
+            <a:endParaRPr lang="de-DE" dirty="0">
               <a:solidFill>
                 <a:schemeClr val="tx1"/>
               </a:solidFill>
-              <a:latin typeface="PT Sans" panose="020B0503020203020204" pitchFamily="34" charset="0"/>
+              <a:latin typeface="PT Sans"/>
             </a:endParaRPr>
           </a:p>
           <a:p>
             <a:r>
-              <a:rPr lang="de-DE" sz="1500">
+              <a:rPr lang="de-DE" sz="1500" dirty="0">
                 <a:solidFill>
                   <a:schemeClr val="tx1"/>
                 </a:solidFill>
-                <a:latin typeface="PT Sans" panose="020B0503020203020204" pitchFamily="34" charset="0"/>
+                <a:latin typeface="PT Sans"/>
               </a:rPr>
               <a:t>Für den PoC werden Beispieldaten der Brettspiele, Nutzer und Gruppensuche erstellt. Für den Test des Algorithmus sollen die Methoden Collaborative </a:t>
             </a:r>
             <a:r>
-              <a:rPr lang="de-DE" sz="1500" err="1">
+              <a:rPr lang="de-DE" sz="1500" dirty="0" err="1">
                 <a:solidFill>
                   <a:schemeClr val="tx1"/>
                 </a:solidFill>
-                <a:latin typeface="PT Sans" panose="020B0503020203020204" pitchFamily="34" charset="0"/>
+                <a:latin typeface="PT Sans"/>
               </a:rPr>
               <a:t>Filtering</a:t>
             </a:r>
             <a:r>
-              <a:rPr lang="de-DE" sz="1500">
+              <a:rPr lang="de-DE" sz="1500" dirty="0">
                 <a:solidFill>
                   <a:schemeClr val="tx1"/>
                 </a:solidFill>
-                <a:latin typeface="PT Sans" panose="020B0503020203020204" pitchFamily="34" charset="0"/>
+                <a:latin typeface="PT Sans"/>
               </a:rPr>
               <a:t> und Content-</a:t>
             </a:r>
             <a:r>
-              <a:rPr lang="de-DE" sz="1500" err="1">
+              <a:rPr lang="de-DE" sz="1500" dirty="0" err="1">
                 <a:solidFill>
                   <a:schemeClr val="tx1"/>
                 </a:solidFill>
-                <a:latin typeface="PT Sans" panose="020B0503020203020204" pitchFamily="34" charset="0"/>
+                <a:latin typeface="PT Sans"/>
               </a:rPr>
               <a:t>Based</a:t>
             </a:r>
             <a:r>
-              <a:rPr lang="de-DE" sz="1500">
+              <a:rPr lang="de-DE" sz="1500" dirty="0">
                 <a:solidFill>
                   <a:schemeClr val="tx1"/>
                 </a:solidFill>
-                <a:latin typeface="PT Sans" panose="020B0503020203020204" pitchFamily="34" charset="0"/>
+                <a:latin typeface="PT Sans"/>
               </a:rPr>
               <a:t> </a:t>
             </a:r>
             <a:r>
-              <a:rPr lang="de-DE" sz="1500" err="1">
+              <a:rPr lang="de-DE" sz="1500" dirty="0" err="1">
                 <a:solidFill>
                   <a:schemeClr val="tx1"/>
                 </a:solidFill>
-                <a:latin typeface="PT Sans" panose="020B0503020203020204" pitchFamily="34" charset="0"/>
+                <a:latin typeface="PT Sans"/>
               </a:rPr>
               <a:t>Filtering</a:t>
             </a:r>
             <a:r>
-              <a:rPr lang="de-DE" sz="1500">
+              <a:rPr lang="de-DE" sz="1500" dirty="0">
                 <a:solidFill>
                   <a:schemeClr val="tx1"/>
                 </a:solidFill>
-                <a:latin typeface="PT Sans" panose="020B0503020203020204" pitchFamily="34" charset="0"/>
+                <a:latin typeface="PT Sans"/>
               </a:rPr>
               <a:t> zum Einsatz kommen. Collaborative </a:t>
             </a:r>
             <a:r>
-              <a:rPr lang="de-DE" sz="1500" err="1">
+              <a:rPr lang="de-DE" sz="1500" dirty="0" err="1">
                 <a:solidFill>
                   <a:schemeClr val="tx1"/>
                 </a:solidFill>
-                <a:latin typeface="PT Sans" panose="020B0503020203020204" pitchFamily="34" charset="0"/>
+                <a:latin typeface="PT Sans"/>
               </a:rPr>
               <a:t>Filtering</a:t>
             </a:r>
             <a:r>
-              <a:rPr lang="de-DE" sz="1500">
+              <a:rPr lang="de-DE" sz="1500" dirty="0">
                 <a:solidFill>
                   <a:schemeClr val="tx1"/>
                 </a:solidFill>
-                <a:latin typeface="PT Sans" panose="020B0503020203020204" pitchFamily="34" charset="0"/>
+                <a:latin typeface="PT Sans"/>
               </a:rPr>
               <a:t> wird benutzt, um Inhalte von Nutzern mit ähnlichen Präferenzen zu empfehlen. Content-</a:t>
             </a:r>
             <a:r>
-              <a:rPr lang="de-DE" sz="1500" err="1">
+              <a:rPr lang="de-DE" sz="1500" dirty="0" err="1">
                 <a:solidFill>
                   <a:schemeClr val="tx1"/>
                 </a:solidFill>
-                <a:latin typeface="PT Sans" panose="020B0503020203020204" pitchFamily="34" charset="0"/>
+                <a:latin typeface="PT Sans"/>
               </a:rPr>
               <a:t>Based</a:t>
             </a:r>
             <a:r>
-              <a:rPr lang="de-DE" sz="1500">
+              <a:rPr lang="de-DE" sz="1500" dirty="0">
                 <a:solidFill>
                   <a:schemeClr val="tx1"/>
                 </a:solidFill>
-                <a:latin typeface="PT Sans" panose="020B0503020203020204" pitchFamily="34" charset="0"/>
+                <a:latin typeface="PT Sans"/>
               </a:rPr>
               <a:t> </a:t>
             </a:r>
             <a:r>
-              <a:rPr lang="de-DE" sz="1500" err="1">
+              <a:rPr lang="de-DE" sz="1500" dirty="0" err="1">
                 <a:solidFill>
                   <a:schemeClr val="tx1"/>
                 </a:solidFill>
-                <a:latin typeface="PT Sans" panose="020B0503020203020204" pitchFamily="34" charset="0"/>
+                <a:latin typeface="PT Sans"/>
               </a:rPr>
               <a:t>Filtering</a:t>
             </a:r>
             <a:r>
-              <a:rPr lang="de-DE" sz="1500">
+              <a:rPr lang="de-DE" sz="1500" dirty="0">
                 <a:solidFill>
                   <a:schemeClr val="tx1"/>
                 </a:solidFill>
-                <a:latin typeface="PT Sans" panose="020B0503020203020204" pitchFamily="34" charset="0"/>
+                <a:latin typeface="PT Sans"/>
               </a:rPr>
               <a:t> wird hingegen benutzt, um ähnliche Inhalte zu empfehlen. Die Ähnlichkeit wird ermittelt, indem die Metadaten verglichen werden. Für den PoC werden Objekte als ähnlich befunden, die mindestens 3 übereinstimmende Metadaten besitzen, davon mindestens eine Brettspielgenre. Darüber hinaus werden die Objekte nach den meisten übereinstimmenden Metadaten sortiert.</a:t>
             </a:r>
-            <a:endParaRPr lang="de-DE">
+            <a:endParaRPr lang="de-DE" dirty="0">
               <a:solidFill>
                 <a:schemeClr val="tx1"/>
               </a:solidFill>
-              <a:latin typeface="PT Sans" panose="020B0503020203020204" pitchFamily="34" charset="0"/>
+              <a:latin typeface="PT Sans"/>
             </a:endParaRPr>
           </a:p>
           <a:p>
             <a:r>
-              <a:rPr lang="de-DE" sz="1500">
+              <a:rPr lang="de-DE" sz="1500" dirty="0">
                 <a:solidFill>
                   <a:schemeClr val="tx1"/>
                 </a:solidFill>
-                <a:latin typeface="PT Sans" panose="020B0503020203020204" pitchFamily="34" charset="0"/>
+                <a:latin typeface="PT Sans"/>
               </a:rPr>
               <a:t>Die Sortierung der Empfehlungen wird bei Aufruf variiert, um nicht immer die gleichen Inhalte anzuzeigen.</a:t>
             </a:r>
-            <a:endParaRPr lang="de-DE">
+            <a:endParaRPr lang="de-DE" dirty="0">
               <a:solidFill>
                 <a:schemeClr val="tx1"/>
               </a:solidFill>
-              <a:latin typeface="PT Sans" panose="020B0503020203020204" pitchFamily="34" charset="0"/>
+              <a:latin typeface="PT Sans"/>
             </a:endParaRPr>
           </a:p>
           <a:p>
             <a:r>
-              <a:rPr lang="de-DE" sz="1500">
+              <a:rPr lang="de-DE" sz="1500" dirty="0">
                 <a:solidFill>
                   <a:schemeClr val="tx1"/>
                 </a:solidFill>
-                <a:latin typeface="PT Sans" panose="020B0503020203020204" pitchFamily="34" charset="0"/>
+                <a:latin typeface="PT Sans"/>
               </a:rPr>
               <a:t>Es soll </a:t>
             </a:r>
             <a:r>
-              <a:rPr lang="de-DE" sz="1500" i="0" u="none" strike="noStrike">
+              <a:rPr lang="de-DE" sz="1500" i="0" u="none" strike="noStrike" dirty="0">
                 <a:solidFill>
                   <a:schemeClr val="tx1"/>
                 </a:solidFill>
                 <a:effectLst/>
-                <a:latin typeface="PT Sans" panose="020B0503020203020204" pitchFamily="34" charset="0"/>
+                <a:latin typeface="PT Sans"/>
               </a:rPr>
               <a:t>für </a:t>
             </a:r>
             <a:r>
-              <a:rPr lang="de-DE" sz="1500">
+              <a:rPr lang="de-DE" sz="1500" dirty="0">
                 <a:solidFill>
                   <a:schemeClr val="tx1"/>
                 </a:solidFill>
-                <a:latin typeface="PT Sans" panose="020B0503020203020204" pitchFamily="34" charset="0"/>
+                <a:latin typeface="PT Sans"/>
               </a:rPr>
               <a:t>den Prototyp eine einfache Benutzeroberfläche im Android Studio erstellt werden, welche die Empfehlungen vereinfacht darstellen soll.</a:t>
             </a:r>
-            <a:endParaRPr lang="de-DE">
+            <a:endParaRPr lang="de-DE" dirty="0">
               <a:solidFill>
                 <a:schemeClr val="tx1"/>
               </a:solidFill>
-              <a:latin typeface="PT Sans" panose="020B0503020203020204" pitchFamily="34" charset="0"/>
+              <a:latin typeface="PT Sans"/>
             </a:endParaRPr>
           </a:p>
           <a:p>
@@ -14644,19 +14653,19 @@
           </a:p>
           <a:p>
             <a:r>
-              <a:rPr lang="de-DE" sz="1500" b="1">
+              <a:rPr lang="de-DE" sz="1500" b="1" dirty="0">
                 <a:solidFill>
                   <a:schemeClr val="tx1"/>
                 </a:solidFill>
-                <a:latin typeface="PT Sans" panose="020B0503020203020204" pitchFamily="34" charset="0"/>
+                <a:latin typeface="PT Sans"/>
               </a:rPr>
               <a:t>Exit-Kriterien:</a:t>
             </a:r>
-            <a:endParaRPr lang="de-DE">
+            <a:endParaRPr lang="de-DE" dirty="0">
               <a:solidFill>
                 <a:schemeClr val="tx1"/>
               </a:solidFill>
-              <a:latin typeface="PT Sans" panose="020B0503020203020204" pitchFamily="34" charset="0"/>
+              <a:latin typeface="PT Sans"/>
             </a:endParaRPr>
           </a:p>
           <a:p>
@@ -14664,19 +14673,19 @@
               <a:buChar char="•"/>
             </a:pPr>
             <a:r>
-              <a:rPr lang="de-DE" sz="1500">
+              <a:rPr lang="de-DE" sz="1500" dirty="0">
                 <a:solidFill>
                   <a:schemeClr val="tx1"/>
                 </a:solidFill>
-                <a:latin typeface="PT Sans" panose="020B0503020203020204" pitchFamily="34" charset="0"/>
+                <a:latin typeface="PT Sans"/>
               </a:rPr>
               <a:t>Inhalte, die ähnlichen Nutzern gefielen werden empfohlen und auf der Benutzeroberfläche angezeigt</a:t>
             </a:r>
-            <a:endParaRPr lang="de-DE">
+            <a:endParaRPr lang="de-DE" dirty="0">
               <a:solidFill>
                 <a:schemeClr val="tx1"/>
               </a:solidFill>
-              <a:latin typeface="PT Sans" panose="020B0503020203020204" pitchFamily="34" charset="0"/>
+              <a:latin typeface="PT Sans"/>
             </a:endParaRPr>
           </a:p>
           <a:p>
@@ -14684,38 +14693,38 @@
               <a:buChar char="•"/>
             </a:pPr>
             <a:r>
-              <a:rPr lang="de-DE" sz="1500">
+              <a:rPr lang="de-DE" sz="1500" dirty="0">
                 <a:solidFill>
                   <a:schemeClr val="tx1"/>
                 </a:solidFill>
-                <a:latin typeface="PT Sans" panose="020B0503020203020204" pitchFamily="34" charset="0"/>
+                <a:latin typeface="PT Sans"/>
               </a:rPr>
               <a:t>ähnliche </a:t>
             </a:r>
             <a:r>
-              <a:rPr lang="de-DE" sz="1500" i="0" u="none" strike="noStrike">
+              <a:rPr lang="de-DE" sz="1500" i="0" u="none" strike="noStrike" dirty="0">
                 <a:solidFill>
                   <a:schemeClr val="tx1"/>
                 </a:solidFill>
                 <a:effectLst/>
-                <a:latin typeface="PT Sans" panose="020B0503020203020204" pitchFamily="34" charset="0"/>
+                <a:latin typeface="PT Sans"/>
               </a:rPr>
               <a:t>Brettspiele</a:t>
             </a:r>
             <a:r>
-              <a:rPr lang="de-DE" sz="1500">
+              <a:rPr lang="de-DE" sz="1500" dirty="0">
                 <a:solidFill>
                   <a:schemeClr val="tx1"/>
                 </a:solidFill>
-                <a:latin typeface="PT Sans" panose="020B0503020203020204" pitchFamily="34" charset="0"/>
+                <a:latin typeface="PT Sans"/>
               </a:rPr>
               <a:t> werden empfohlen und auf der Benutzeroberfläche angezeigt, wenn ein Brettspiel aufgerufen wird</a:t>
             </a:r>
-            <a:endParaRPr lang="de-DE">
+            <a:endParaRPr lang="de-DE" dirty="0">
               <a:solidFill>
                 <a:schemeClr val="tx1"/>
               </a:solidFill>
-              <a:latin typeface="PT Sans" panose="020B0503020203020204" pitchFamily="34" charset="0"/>
+              <a:latin typeface="PT Sans"/>
             </a:endParaRPr>
           </a:p>
           <a:p>
@@ -14731,15 +14740,35 @@
           </a:p>
           <a:p>
             <a:r>
-              <a:rPr lang="de-DE" sz="1500" b="1">
+              <a:rPr lang="de-DE" sz="1500" b="1" dirty="0">
                 <a:solidFill>
                   <a:schemeClr val="tx1"/>
                 </a:solidFill>
-                <a:latin typeface="PT Sans" panose="020B0503020203020204" pitchFamily="34" charset="0"/>
+                <a:latin typeface="PT Sans"/>
               </a:rPr>
               <a:t>Fail-Kriterien:</a:t>
             </a:r>
-            <a:endParaRPr lang="de-DE">
+            <a:endParaRPr lang="de-DE" dirty="0">
+              <a:solidFill>
+                <a:schemeClr val="tx1"/>
+              </a:solidFill>
+              <a:latin typeface="PT Sans"/>
+            </a:endParaRPr>
+          </a:p>
+          <a:p>
+            <a:pPr marL="285750" indent="-285750">
+              <a:buChar char="•"/>
+            </a:pPr>
+            <a:r>
+              <a:rPr lang="de-DE" sz="1500" dirty="0">
+                <a:solidFill>
+                  <a:schemeClr val="tx1"/>
+                </a:solidFill>
+                <a:latin typeface="PT Sans"/>
+              </a:rPr>
+              <a:t>es werden zum Großteil Inhalte empfohlen, die nicht zu ähnlichen Nutzer passen</a:t>
+            </a:r>
+            <a:endParaRPr lang="de-DE" dirty="0">
               <a:solidFill>
                 <a:schemeClr val="tx1"/>
               </a:solidFill>
@@ -14751,15 +14780,15 @@
               <a:buChar char="•"/>
             </a:pPr>
             <a:r>
-              <a:rPr lang="de-DE" sz="1500">
+              <a:rPr lang="de-DE" sz="1500" dirty="0">
                 <a:solidFill>
                   <a:schemeClr val="tx1"/>
                 </a:solidFill>
-                <a:latin typeface="PT Sans" panose="020B0503020203020204" pitchFamily="34" charset="0"/>
+                <a:latin typeface="PT Sans"/>
               </a:rPr>
-              <a:t>es werden zum Großteil Inhalte, die nicht zu ähnlichen Nutzer passen werden empfohlen</a:t>
+              <a:t>es werden zum Großteil Inhalte empfohlen, die nicht ähnlich zu den aufgerufenen Inhalten passen</a:t>
             </a:r>
-            <a:endParaRPr lang="de-DE">
+            <a:endParaRPr lang="de-DE" dirty="0">
               <a:solidFill>
                 <a:schemeClr val="tx1"/>
               </a:solidFill>
@@ -14771,19 +14800,19 @@
               <a:buChar char="•"/>
             </a:pPr>
             <a:r>
-              <a:rPr lang="de-DE" sz="1500">
+              <a:rPr lang="de-DE" sz="1500" dirty="0">
                 <a:solidFill>
                   <a:schemeClr val="tx1"/>
                 </a:solidFill>
-                <a:latin typeface="PT Sans" panose="020B0503020203020204" pitchFamily="34" charset="0"/>
+                <a:latin typeface="PT Sans"/>
               </a:rPr>
-              <a:t>es werden zum Großteil Inhalte, die nicht ähnlich zu den aufgerufenen Inhalten passen werden empfohlen</a:t>
+              <a:t>keine Inhalte werden empfohlen</a:t>
             </a:r>
-            <a:endParaRPr lang="de-DE">
+            <a:endParaRPr lang="de-DE" dirty="0">
               <a:solidFill>
                 <a:schemeClr val="tx1"/>
               </a:solidFill>
-              <a:latin typeface="PT Sans" panose="020B0503020203020204" pitchFamily="34" charset="0"/>
+              <a:latin typeface="PT Sans"/>
             </a:endParaRPr>
           </a:p>
           <a:p>
@@ -14791,19 +14820,19 @@
               <a:buChar char="•"/>
             </a:pPr>
             <a:r>
-              <a:rPr lang="de-DE" sz="1500">
+              <a:rPr lang="de-DE" sz="1500" dirty="0">
                 <a:solidFill>
                   <a:schemeClr val="tx1"/>
                 </a:solidFill>
-                <a:latin typeface="PT Sans" panose="020B0503020203020204" pitchFamily="34" charset="0"/>
+                <a:latin typeface="PT Sans"/>
               </a:rPr>
-              <a:t>keine Inhalte werden empfohlen</a:t>
+              <a:t>es werden keine ähnlichen Inhalte für die Empfehlung gefunden</a:t>
             </a:r>
-            <a:endParaRPr lang="de-DE">
+            <a:endParaRPr lang="de-DE" dirty="0">
               <a:solidFill>
                 <a:schemeClr val="tx1"/>
               </a:solidFill>
-              <a:latin typeface="PT Sans" panose="020B0503020203020204" pitchFamily="34" charset="0"/>
+              <a:latin typeface="PT Sans"/>
             </a:endParaRPr>
           </a:p>
           <a:p>
@@ -14811,39 +14840,19 @@
               <a:buChar char="•"/>
             </a:pPr>
             <a:r>
-              <a:rPr lang="de-DE" sz="1500">
+              <a:rPr lang="de-DE" sz="1500" dirty="0">
                 <a:solidFill>
                   <a:schemeClr val="tx1"/>
                 </a:solidFill>
-                <a:latin typeface="PT Sans" panose="020B0503020203020204" pitchFamily="34" charset="0"/>
+                <a:latin typeface="PT Sans"/>
               </a:rPr>
-              <a:t>es werden keine ähnlichen Inhalte für die Empfehlung gefunden</a:t>
+              <a:t>es werden nur die gleichen Inhalte empfohlen</a:t>
             </a:r>
-            <a:endParaRPr lang="de-DE">
+            <a:endParaRPr lang="de-DE" dirty="0">
               <a:solidFill>
                 <a:schemeClr val="tx1"/>
               </a:solidFill>
-              <a:latin typeface="PT Sans" panose="020B0503020203020204" pitchFamily="34" charset="0"/>
-            </a:endParaRPr>
-          </a:p>
-          <a:p>
-            <a:pPr marL="285750" indent="-285750">
-              <a:buChar char="•"/>
-            </a:pPr>
-            <a:r>
-              <a:rPr lang="de-DE" sz="1500">
-                <a:solidFill>
-                  <a:schemeClr val="tx1"/>
-                </a:solidFill>
-                <a:latin typeface="PT Sans" panose="020B0503020203020204" pitchFamily="34" charset="0"/>
-              </a:rPr>
-              <a:t>es werden nur die gleichen Inhalte empfohlen</a:t>
-            </a:r>
-            <a:endParaRPr lang="de-DE">
-              <a:solidFill>
-                <a:schemeClr val="tx1"/>
-              </a:solidFill>
-              <a:latin typeface="PT Sans" panose="020B0503020203020204" pitchFamily="34" charset="0"/>
+              <a:latin typeface="PT Sans"/>
             </a:endParaRPr>
           </a:p>
           <a:p>
@@ -14859,19 +14868,19 @@
           </a:p>
           <a:p>
             <a:r>
-              <a:rPr lang="de-DE" sz="1500" b="1">
+              <a:rPr lang="de-DE" sz="1500" b="1" dirty="0">
                 <a:solidFill>
                   <a:schemeClr val="tx1"/>
                 </a:solidFill>
-                <a:latin typeface="PT Sans" panose="020B0503020203020204" pitchFamily="34" charset="0"/>
+                <a:latin typeface="PT Sans"/>
               </a:rPr>
               <a:t>Fallbacks:</a:t>
             </a:r>
-            <a:endParaRPr lang="de-DE">
+            <a:endParaRPr lang="de-DE" dirty="0">
               <a:solidFill>
                 <a:schemeClr val="tx1"/>
               </a:solidFill>
-              <a:latin typeface="PT Sans" panose="020B0503020203020204" pitchFamily="34" charset="0"/>
+              <a:latin typeface="PT Sans"/>
             </a:endParaRPr>
           </a:p>
           <a:p>
@@ -14879,19 +14888,19 @@
               <a:buChar char="•"/>
             </a:pPr>
             <a:r>
-              <a:rPr lang="de-DE" sz="1500">
+              <a:rPr lang="de-DE" sz="1500" dirty="0">
                 <a:solidFill>
                   <a:schemeClr val="tx1"/>
                 </a:solidFill>
-                <a:latin typeface="PT Sans" panose="020B0503020203020204" pitchFamily="34" charset="0"/>
+                <a:latin typeface="PT Sans"/>
               </a:rPr>
               <a:t>Inhalte mit den meisten Aufrufen werden empfohlen, falls sonst keine ähnlichen Inhalte gefunden werden können</a:t>
             </a:r>
-            <a:endParaRPr lang="de-DE">
+            <a:endParaRPr lang="de-DE" dirty="0">
               <a:solidFill>
                 <a:schemeClr val="tx1"/>
               </a:solidFill>
-              <a:latin typeface="PT Sans" panose="020B0503020203020204" pitchFamily="34" charset="0"/>
+              <a:latin typeface="PT Sans"/>
             </a:endParaRPr>
           </a:p>
           <a:p>
@@ -14899,19 +14908,33 @@
               <a:buChar char="•"/>
             </a:pPr>
             <a:r>
-              <a:rPr lang="de-DE" sz="1500">
+              <a:rPr lang="de-DE" sz="1500" dirty="0">
                 <a:solidFill>
                   <a:schemeClr val="tx1"/>
                 </a:solidFill>
-                <a:latin typeface="PT Sans" panose="020B0503020203020204" pitchFamily="34" charset="0"/>
+                <a:latin typeface="PT Sans"/>
+              </a:rPr>
+              <a:t>Einzelne Inhalte mit vielen Aufrufen werden unabhängig der Ähnlichkeit empfohlen, um eine Varianz zu erzeugen</a:t>
+            </a:r>
+          </a:p>
+          <a:p>
+            <a:pPr marL="285750" indent="-285750">
+              <a:buChar char="•"/>
+            </a:pPr>
+            <a:r>
+              <a:rPr lang="de-DE" sz="1500" dirty="0">
+                <a:solidFill>
+                  <a:schemeClr val="tx1"/>
+                </a:solidFill>
+                <a:latin typeface="PT Sans"/>
               </a:rPr>
               <a:t>Nutzer müssen mindestens 2 präferierte Brettspielgenres angeben, um mehr mögliche Empfehlungen bekommen zu können</a:t>
             </a:r>
-            <a:endParaRPr lang="de-DE">
+            <a:endParaRPr lang="de-DE" dirty="0">
               <a:solidFill>
                 <a:schemeClr val="tx1"/>
               </a:solidFill>
-              <a:latin typeface="PT Sans" panose="020B0503020203020204" pitchFamily="34" charset="0"/>
+              <a:latin typeface="PT Sans"/>
             </a:endParaRPr>
           </a:p>
           <a:p>
@@ -15812,15 +15835,33 @@
           <a:lstStyle/>
           <a:p>
             <a:r>
-              <a:rPr lang="de" sz="1700" b="1">
+              <a:rPr lang="de" sz="1700" b="1" dirty="0">
                 <a:solidFill>
                   <a:schemeClr val="tx1"/>
                 </a:solidFill>
                 <a:latin typeface="PT Sans"/>
               </a:rPr>
-              <a:t>Proof of Concept für generellen Datenbankzugriff von BGG</a:t>
+              <a:t>Proof </a:t>
             </a:r>
-            <a:endParaRPr lang="en-US" sz="1700">
+            <a:r>
+              <a:rPr lang="de" sz="1700" b="1" dirty="0" err="1">
+                <a:solidFill>
+                  <a:schemeClr val="tx1"/>
+                </a:solidFill>
+                <a:latin typeface="PT Sans"/>
+              </a:rPr>
+              <a:t>of</a:t>
+            </a:r>
+            <a:r>
+              <a:rPr lang="de" sz="1700" b="1" dirty="0">
+                <a:solidFill>
+                  <a:schemeClr val="tx1"/>
+                </a:solidFill>
+                <a:latin typeface="PT Sans"/>
+              </a:rPr>
+              <a:t> Concept für generellen Datenbankzugriff von BGG</a:t>
+            </a:r>
+            <a:endParaRPr lang="en-US" sz="1700" dirty="0">
               <a:solidFill>
                 <a:schemeClr val="tx1"/>
               </a:solidFill>
@@ -15834,15 +15875,51 @@
           </a:p>
           <a:p>
             <a:r>
-              <a:rPr lang="de" sz="1700">
+              <a:rPr lang="de" sz="1700" dirty="0">
                 <a:solidFill>
                   <a:schemeClr val="tx1"/>
                 </a:solidFill>
                 <a:latin typeface="PT Sans"/>
               </a:rPr>
-              <a:t>Für die Funktion des Systems ist eine Brettspieldatenbank notwendig um unsere eigene Datenlage zu speisen. Hierzu wird Boardgamegeek.com (BGG) verwendet, der Zugriff ist kostenlos unbegrenzt möglich. Dieser Zugriff soll anhand des PoCs getestet werden. Hierzu wird ein http GET Request für ein konkretes Spiel an BGG gesendet. Die empfangenen Daten sowie http Statuscodes werden dann über die Konsole ausgegeben. Zum Test wird das Spiel Twilight Struggle verwendet. (id=12333)</a:t>
+              <a:t>Für die Funktion des Systems ist eine Brettspieldatenbank notwendig um unsere eigene Datenlage zu speisen. Hierzu wird Boardgamegeek.com (BGG) verwendet, der Zugriff ist kostenlos unbegrenzt möglich. Dieser Zugriff soll anhand des PoCs getestet werden. Hierzu wird ein http GET Request für ein konkretes Spiel an BGG gesendet. Die empfangenen Daten sowie http Statuscodes werden dann über die Konsole ausgegeben. Zum Test wird das Spiel Twilight </a:t>
             </a:r>
-            <a:endParaRPr lang="de-DE" sz="1700">
+            <a:r>
+              <a:rPr lang="de" sz="1700" dirty="0" err="1">
+                <a:solidFill>
+                  <a:schemeClr val="tx1"/>
+                </a:solidFill>
+                <a:latin typeface="PT Sans"/>
+              </a:rPr>
+              <a:t>Struggle</a:t>
+            </a:r>
+            <a:r>
+              <a:rPr lang="de" sz="1700" dirty="0">
+                <a:solidFill>
+                  <a:schemeClr val="tx1"/>
+                </a:solidFill>
+                <a:latin typeface="PT Sans"/>
+              </a:rPr>
+              <a:t> verwendet. (</a:t>
+            </a:r>
+            <a:r>
+              <a:rPr lang="de" sz="1700" dirty="0" err="1">
+                <a:solidFill>
+                  <a:schemeClr val="tx1"/>
+                </a:solidFill>
+                <a:latin typeface="PT Sans"/>
+              </a:rPr>
+              <a:t>id</a:t>
+            </a:r>
+            <a:r>
+              <a:rPr lang="de" sz="1700" dirty="0">
+                <a:solidFill>
+                  <a:schemeClr val="tx1"/>
+                </a:solidFill>
+                <a:latin typeface="PT Sans"/>
+              </a:rPr>
+              <a:t>=12333)</a:t>
+            </a:r>
+            <a:endParaRPr lang="de-DE" sz="1700" dirty="0">
               <a:solidFill>
                 <a:schemeClr val="tx1"/>
               </a:solidFill>
@@ -15856,7 +15933,7 @@
           </a:p>
           <a:p>
             <a:r>
-              <a:rPr lang="de" sz="1700">
+              <a:rPr lang="de" sz="1700" b="1" dirty="0">
                 <a:solidFill>
                   <a:schemeClr val="tx1"/>
                 </a:solidFill>
@@ -15870,7 +15947,7 @@
               <a:buChar char="•"/>
             </a:pPr>
             <a:r>
-              <a:rPr lang="de" sz="1700">
+              <a:rPr lang="de" sz="1700" dirty="0">
                 <a:solidFill>
                   <a:schemeClr val="tx1"/>
                 </a:solidFill>
@@ -15878,7 +15955,7 @@
               </a:rPr>
               <a:t>Request wird erfolgreich versendet</a:t>
             </a:r>
-            <a:endParaRPr lang="de-DE" sz="1700">
+            <a:endParaRPr lang="de-DE" sz="1700" dirty="0">
               <a:solidFill>
                 <a:schemeClr val="tx1"/>
               </a:solidFill>
@@ -15890,7 +15967,7 @@
               <a:buChar char="•"/>
             </a:pPr>
             <a:r>
-              <a:rPr lang="de" sz="1700">
+              <a:rPr lang="de" sz="1700" dirty="0">
                 <a:solidFill>
                   <a:schemeClr val="tx1"/>
                 </a:solidFill>
@@ -15898,7 +15975,7 @@
               </a:rPr>
               <a:t>Daten zum gesuchten Spiel werden erfolgreich empfangen und ausgegeben</a:t>
             </a:r>
-            <a:endParaRPr lang="de-DE" sz="1700">
+            <a:endParaRPr lang="de-DE" sz="1700" dirty="0">
               <a:solidFill>
                 <a:schemeClr val="tx1"/>
               </a:solidFill>
@@ -15912,7 +15989,7 @@
           </a:p>
           <a:p>
             <a:r>
-              <a:rPr lang="de" sz="1700">
+              <a:rPr lang="de" sz="1700" b="1" dirty="0">
                 <a:solidFill>
                   <a:schemeClr val="tx1"/>
                 </a:solidFill>
@@ -15926,7 +16003,7 @@
               <a:buChar char="•"/>
             </a:pPr>
             <a:r>
-              <a:rPr lang="de" sz="1700">
+              <a:rPr lang="de" sz="1700" dirty="0">
                 <a:solidFill>
                   <a:schemeClr val="tx1"/>
                 </a:solidFill>
@@ -15934,7 +16011,7 @@
               </a:rPr>
               <a:t>Request wird nicht erfolgreich versendet.</a:t>
             </a:r>
-            <a:endParaRPr lang="de-DE" sz="1700">
+            <a:endParaRPr lang="de-DE" sz="1700" dirty="0">
               <a:solidFill>
                 <a:schemeClr val="tx1"/>
               </a:solidFill>
@@ -15946,7 +16023,7 @@
               <a:buChar char="•"/>
             </a:pPr>
             <a:r>
-              <a:rPr lang="de" sz="1700">
+              <a:rPr lang="de" sz="1700" dirty="0">
                 <a:solidFill>
                   <a:schemeClr val="tx1"/>
                 </a:solidFill>
@@ -15954,7 +16031,7 @@
               </a:rPr>
               <a:t>Es werden keine Daten empfangen.</a:t>
             </a:r>
-            <a:endParaRPr lang="de-DE" sz="1700">
+            <a:endParaRPr lang="de-DE" sz="1700" dirty="0">
               <a:solidFill>
                 <a:schemeClr val="tx1"/>
               </a:solidFill>
@@ -15966,7 +16043,7 @@
               <a:buChar char="•"/>
             </a:pPr>
             <a:r>
-              <a:rPr lang="de" sz="1700">
+              <a:rPr lang="de" sz="1700" dirty="0">
                 <a:solidFill>
                   <a:schemeClr val="tx1"/>
                 </a:solidFill>
@@ -15974,7 +16051,7 @@
               </a:rPr>
               <a:t>Es werden keine Daten ausgegeben.</a:t>
             </a:r>
-            <a:endParaRPr lang="de-DE" sz="1700">
+            <a:endParaRPr lang="de-DE" sz="1700" dirty="0">
               <a:solidFill>
                 <a:schemeClr val="tx1"/>
               </a:solidFill>
@@ -15988,13 +16065,22 @@
           </a:p>
           <a:p>
             <a:r>
-              <a:rPr lang="de" sz="1700">
+              <a:rPr lang="de" sz="1700" b="1" dirty="0" err="1">
                 <a:solidFill>
                   <a:schemeClr val="tx1"/>
                 </a:solidFill>
                 <a:latin typeface="PT Sans"/>
               </a:rPr>
-              <a:t>Fallback:</a:t>
+              <a:t>Fallback</a:t>
+            </a:r>
+            <a:r>
+              <a:rPr lang="de" sz="1700" b="1" dirty="0">
+                <a:solidFill>
+                  <a:schemeClr val="tx1"/>
+                </a:solidFill>
+                <a:latin typeface="PT Sans"/>
+              </a:rPr>
+              <a:t>:</a:t>
             </a:r>
           </a:p>
           <a:p>
@@ -16002,7 +16088,7 @@
               <a:buChar char="•"/>
             </a:pPr>
             <a:r>
-              <a:rPr lang="de" sz="1700">
+              <a:rPr lang="de" sz="1700" dirty="0">
                 <a:solidFill>
                   <a:schemeClr val="tx1"/>
                 </a:solidFill>
@@ -16010,7 +16096,7 @@
               </a:rPr>
               <a:t>Es wird eine andere API verwendet.</a:t>
             </a:r>
-            <a:endParaRPr lang="de-DE" sz="1700">
+            <a:endParaRPr lang="de-DE" sz="1700" dirty="0">
               <a:solidFill>
                 <a:schemeClr val="tx1"/>
               </a:solidFill>
@@ -16022,7 +16108,7 @@
               <a:buChar char="•"/>
             </a:pPr>
             <a:r>
-              <a:rPr lang="de" sz="1700">
+              <a:rPr lang="de" sz="1700" dirty="0">
                 <a:solidFill>
                   <a:schemeClr val="tx1"/>
                 </a:solidFill>
@@ -16952,15 +17038,33 @@
           <a:lstStyle/>
           <a:p>
             <a:r>
-              <a:rPr lang="de" sz="1700" b="1">
+              <a:rPr lang="de" sz="1700" b="1" dirty="0">
                 <a:solidFill>
                   <a:schemeClr val="tx1"/>
                 </a:solidFill>
                 <a:latin typeface="PT Sans"/>
               </a:rPr>
-              <a:t>Proof of Concept für Filterung der relevanten Daten</a:t>
+              <a:t>Proof </a:t>
             </a:r>
-            <a:endParaRPr lang="en-US" sz="1700">
+            <a:r>
+              <a:rPr lang="de" sz="1700" b="1" dirty="0" err="1">
+                <a:solidFill>
+                  <a:schemeClr val="tx1"/>
+                </a:solidFill>
+                <a:latin typeface="PT Sans"/>
+              </a:rPr>
+              <a:t>of</a:t>
+            </a:r>
+            <a:r>
+              <a:rPr lang="de" sz="1700" b="1" dirty="0">
+                <a:solidFill>
+                  <a:schemeClr val="tx1"/>
+                </a:solidFill>
+                <a:latin typeface="PT Sans"/>
+              </a:rPr>
+              <a:t> Concept für Filterung der relevanten Daten</a:t>
+            </a:r>
+            <a:endParaRPr lang="en-US" sz="1700" dirty="0">
               <a:solidFill>
                 <a:schemeClr val="tx1"/>
               </a:solidFill>
@@ -16974,7 +17078,7 @@
           </a:p>
           <a:p>
             <a:r>
-              <a:rPr lang="de" sz="1700" b="1">
+              <a:rPr lang="de" sz="1700" b="1" dirty="0">
                 <a:solidFill>
                   <a:schemeClr val="tx1"/>
                 </a:solidFill>
@@ -16983,7 +17087,7 @@
               <a:t>Voraussetzung: </a:t>
             </a:r>
             <a:r>
-              <a:rPr lang="de" sz="1700">
+              <a:rPr lang="de" sz="1700" dirty="0">
                 <a:solidFill>
                   <a:schemeClr val="tx1"/>
                 </a:solidFill>
@@ -16999,7 +17103,7 @@
           </a:p>
           <a:p>
             <a:r>
-              <a:rPr lang="de" sz="1700">
+              <a:rPr lang="de" sz="1700" dirty="0">
                 <a:solidFill>
                   <a:schemeClr val="tx1"/>
                 </a:solidFill>
@@ -17010,7 +17114,7 @@
           </a:p>
           <a:p>
             <a:r>
-              <a:rPr lang="de" sz="1700">
+              <a:rPr lang="de" sz="1700" dirty="0">
                 <a:solidFill>
                   <a:schemeClr val="tx1"/>
                 </a:solidFill>
@@ -17021,15 +17125,105 @@
           </a:p>
           <a:p>
             <a:r>
-              <a:rPr lang="de" sz="1700">
+              <a:rPr lang="de" sz="1700" dirty="0">
                 <a:solidFill>
                   <a:schemeClr val="tx1"/>
                 </a:solidFill>
                 <a:latin typeface="PT Sans"/>
               </a:rPr>
-              <a:t>Um die gewünschten Informationen über ein Spiel zu erhalten ist der Request mit entsprechenden Parametern anzupassen. Aus den Daten werden die benötigten Datenpunkte entnommen und diese mitsamt den http Statuscodes über die Konsole ausgegeben. Zum Test wird wieder „Twilight Struggle“ sowie „The Cones of Dunshire“ (id=165694) verwendet.</a:t>
+              <a:t>Um die gewünschten Informationen über ein Spiel zu erhalten ist der Request mit entsprechenden Parametern anzupassen. Aus den Daten werden die benötigten Datenpunkte entnommen und diese mitsamt den http Statuscodes über die Konsole ausgegeben. Zum Test wird wieder „Twilight </a:t>
             </a:r>
-            <a:endParaRPr lang="de-DE" sz="1700">
+            <a:r>
+              <a:rPr lang="de" sz="1700" dirty="0" err="1">
+                <a:solidFill>
+                  <a:schemeClr val="tx1"/>
+                </a:solidFill>
+                <a:latin typeface="PT Sans"/>
+              </a:rPr>
+              <a:t>Struggle</a:t>
+            </a:r>
+            <a:r>
+              <a:rPr lang="de" sz="1700" dirty="0">
+                <a:solidFill>
+                  <a:schemeClr val="tx1"/>
+                </a:solidFill>
+                <a:latin typeface="PT Sans"/>
+              </a:rPr>
+              <a:t>“ sowie „The </a:t>
+            </a:r>
+            <a:r>
+              <a:rPr lang="de" sz="1700" dirty="0" err="1">
+                <a:solidFill>
+                  <a:schemeClr val="tx1"/>
+                </a:solidFill>
+                <a:latin typeface="PT Sans"/>
+              </a:rPr>
+              <a:t>Cones</a:t>
+            </a:r>
+            <a:r>
+              <a:rPr lang="de" sz="1700" dirty="0">
+                <a:solidFill>
+                  <a:schemeClr val="tx1"/>
+                </a:solidFill>
+                <a:latin typeface="PT Sans"/>
+              </a:rPr>
+              <a:t> </a:t>
+            </a:r>
+            <a:r>
+              <a:rPr lang="de" sz="1700" dirty="0" err="1">
+                <a:solidFill>
+                  <a:schemeClr val="tx1"/>
+                </a:solidFill>
+                <a:latin typeface="PT Sans"/>
+              </a:rPr>
+              <a:t>of</a:t>
+            </a:r>
+            <a:r>
+              <a:rPr lang="de" sz="1700" dirty="0">
+                <a:solidFill>
+                  <a:schemeClr val="tx1"/>
+                </a:solidFill>
+                <a:latin typeface="PT Sans"/>
+              </a:rPr>
+              <a:t> </a:t>
+            </a:r>
+            <a:r>
+              <a:rPr lang="de" sz="1700" dirty="0" err="1">
+                <a:solidFill>
+                  <a:schemeClr val="tx1"/>
+                </a:solidFill>
+                <a:latin typeface="PT Sans"/>
+              </a:rPr>
+              <a:t>Dunshire</a:t>
+            </a:r>
+            <a:r>
+              <a:rPr lang="de" sz="1700" dirty="0">
+                <a:solidFill>
+                  <a:schemeClr val="tx1"/>
+                </a:solidFill>
+                <a:latin typeface="PT Sans"/>
+              </a:rPr>
+              <a:t>“ (</a:t>
+            </a:r>
+            <a:r>
+              <a:rPr lang="de" sz="1700" dirty="0" err="1">
+                <a:solidFill>
+                  <a:schemeClr val="tx1"/>
+                </a:solidFill>
+                <a:latin typeface="PT Sans"/>
+              </a:rPr>
+              <a:t>id</a:t>
+            </a:r>
+            <a:r>
+              <a:rPr lang="de" sz="1700" dirty="0">
+                <a:solidFill>
+                  <a:schemeClr val="tx1"/>
+                </a:solidFill>
+                <a:latin typeface="PT Sans"/>
+              </a:rPr>
+              <a:t>=165694) verwendet.</a:t>
+            </a:r>
+            <a:endParaRPr lang="de-DE" sz="1700" dirty="0">
               <a:solidFill>
                 <a:schemeClr val="tx1"/>
               </a:solidFill>
@@ -17043,7 +17237,7 @@
           </a:p>
           <a:p>
             <a:r>
-              <a:rPr lang="de" sz="1700">
+              <a:rPr lang="de" sz="1700" b="1" dirty="0">
                 <a:solidFill>
                   <a:schemeClr val="tx1"/>
                 </a:solidFill>
@@ -17057,15 +17251,33 @@
               <a:buChar char="•"/>
             </a:pPr>
             <a:r>
-              <a:rPr lang="de" sz="1700">
+              <a:rPr lang="de" sz="1700" dirty="0">
                 <a:solidFill>
                   <a:schemeClr val="tx1"/>
                 </a:solidFill>
                 <a:latin typeface="PT Sans"/>
               </a:rPr>
-              <a:t>Beide Requests mit Parametern werden erfolgreich versendet.</a:t>
+              <a:t>Beide </a:t>
             </a:r>
-            <a:endParaRPr lang="de-DE" sz="1700">
+            <a:r>
+              <a:rPr lang="de" sz="1700" dirty="0" err="1">
+                <a:solidFill>
+                  <a:schemeClr val="tx1"/>
+                </a:solidFill>
+                <a:latin typeface="PT Sans"/>
+              </a:rPr>
+              <a:t>Requests</a:t>
+            </a:r>
+            <a:r>
+              <a:rPr lang="de" sz="1700" dirty="0">
+                <a:solidFill>
+                  <a:schemeClr val="tx1"/>
+                </a:solidFill>
+                <a:latin typeface="PT Sans"/>
+              </a:rPr>
+              <a:t> mit Parametern werden erfolgreich versendet.</a:t>
+            </a:r>
+            <a:endParaRPr lang="de-DE" sz="1700" dirty="0">
               <a:solidFill>
                 <a:schemeClr val="tx1"/>
               </a:solidFill>
@@ -17077,7 +17289,7 @@
               <a:buChar char="•"/>
             </a:pPr>
             <a:r>
-              <a:rPr lang="de" sz="1700">
+              <a:rPr lang="de" sz="1700" dirty="0">
                 <a:solidFill>
                   <a:schemeClr val="tx1"/>
                 </a:solidFill>
@@ -17091,13 +17303,31 @@
               <a:buChar char="•"/>
             </a:pPr>
             <a:r>
-              <a:rPr lang="de" sz="1700">
+              <a:rPr lang="de" sz="1700" dirty="0">
                 <a:solidFill>
                   <a:schemeClr val="tx1"/>
                 </a:solidFill>
                 <a:latin typeface="PT Sans"/>
               </a:rPr>
-              <a:t>Gefilterte Daten werden für Twilight Struggle ausgegeben.</a:t>
+              <a:t>Gefilterte Daten werden für Twilight </a:t>
+            </a:r>
+            <a:r>
+              <a:rPr lang="de" sz="1700" dirty="0" err="1">
+                <a:solidFill>
+                  <a:schemeClr val="tx1"/>
+                </a:solidFill>
+                <a:latin typeface="PT Sans"/>
+              </a:rPr>
+              <a:t>Struggle</a:t>
+            </a:r>
+            <a:r>
+              <a:rPr lang="de" sz="1700" dirty="0">
+                <a:solidFill>
+                  <a:schemeClr val="tx1"/>
+                </a:solidFill>
+                <a:latin typeface="PT Sans"/>
+              </a:rPr>
+              <a:t> ausgegeben.</a:t>
             </a:r>
           </a:p>
           <a:p>
@@ -17105,15 +17335,69 @@
               <a:buChar char="•"/>
             </a:pPr>
             <a:r>
-              <a:rPr lang="de" sz="1700">
+              <a:rPr lang="de" sz="1700" dirty="0">
                 <a:solidFill>
                   <a:schemeClr val="tx1"/>
                 </a:solidFill>
                 <a:latin typeface="PT Sans"/>
               </a:rPr>
-              <a:t>Daten für The Cones of Dunshire werden nicht ausgegeben, da Genre fehlt.</a:t>
+              <a:t>Daten für The </a:t>
             </a:r>
-            <a:endParaRPr lang="de-DE" sz="1700">
+            <a:r>
+              <a:rPr lang="de" sz="1700" dirty="0" err="1">
+                <a:solidFill>
+                  <a:schemeClr val="tx1"/>
+                </a:solidFill>
+                <a:latin typeface="PT Sans"/>
+              </a:rPr>
+              <a:t>Cones</a:t>
+            </a:r>
+            <a:r>
+              <a:rPr lang="de" sz="1700" dirty="0">
+                <a:solidFill>
+                  <a:schemeClr val="tx1"/>
+                </a:solidFill>
+                <a:latin typeface="PT Sans"/>
+              </a:rPr>
+              <a:t> </a:t>
+            </a:r>
+            <a:r>
+              <a:rPr lang="de" sz="1700" dirty="0" err="1">
+                <a:solidFill>
+                  <a:schemeClr val="tx1"/>
+                </a:solidFill>
+                <a:latin typeface="PT Sans"/>
+              </a:rPr>
+              <a:t>of</a:t>
+            </a:r>
+            <a:r>
+              <a:rPr lang="de" sz="1700" dirty="0">
+                <a:solidFill>
+                  <a:schemeClr val="tx1"/>
+                </a:solidFill>
+                <a:latin typeface="PT Sans"/>
+              </a:rPr>
+              <a:t> </a:t>
+            </a:r>
+            <a:r>
+              <a:rPr lang="de" sz="1700" dirty="0" err="1">
+                <a:solidFill>
+                  <a:schemeClr val="tx1"/>
+                </a:solidFill>
+                <a:latin typeface="PT Sans"/>
+              </a:rPr>
+              <a:t>Dunshire</a:t>
+            </a:r>
+            <a:r>
+              <a:rPr lang="de" sz="1700" dirty="0">
+                <a:solidFill>
+                  <a:schemeClr val="tx1"/>
+                </a:solidFill>
+                <a:latin typeface="PT Sans"/>
+              </a:rPr>
+              <a:t> werden nicht ausgegeben, da Genre fehlt.</a:t>
+            </a:r>
+            <a:endParaRPr lang="de-DE" sz="1700" dirty="0">
               <a:solidFill>
                 <a:schemeClr val="tx1"/>
               </a:solidFill>
@@ -17127,7 +17411,7 @@
           </a:p>
           <a:p>
             <a:r>
-              <a:rPr lang="de" sz="1700">
+              <a:rPr lang="de" sz="1700" b="1" dirty="0">
                 <a:solidFill>
                   <a:schemeClr val="tx1"/>
                 </a:solidFill>
@@ -17141,15 +17425,24 @@
               <a:buChar char="•"/>
             </a:pPr>
             <a:r>
-              <a:rPr lang="de" sz="1700">
+              <a:rPr lang="de" sz="1700" dirty="0" err="1">
                 <a:solidFill>
                   <a:schemeClr val="tx1"/>
                 </a:solidFill>
                 <a:latin typeface="PT Sans"/>
               </a:rPr>
-              <a:t>Requests werden nicht erfolgreich versendet.</a:t>
+              <a:t>Requests</a:t>
             </a:r>
-            <a:endParaRPr lang="de-DE" sz="1700">
+            <a:r>
+              <a:rPr lang="de" sz="1700" dirty="0">
+                <a:solidFill>
+                  <a:schemeClr val="tx1"/>
+                </a:solidFill>
+                <a:latin typeface="PT Sans"/>
+              </a:rPr>
+              <a:t> werden nicht erfolgreich versendet.</a:t>
+            </a:r>
+            <a:endParaRPr lang="de-DE" sz="1700" dirty="0">
               <a:solidFill>
                 <a:schemeClr val="tx1"/>
               </a:solidFill>
@@ -17161,7 +17454,7 @@
               <a:buChar char="•"/>
             </a:pPr>
             <a:r>
-              <a:rPr lang="de" sz="1700">
+              <a:rPr lang="de" sz="1700" dirty="0">
                 <a:solidFill>
                   <a:schemeClr val="tx1"/>
                 </a:solidFill>
@@ -17169,7 +17462,7 @@
               </a:rPr>
               <a:t>Daten werden nicht empfangen.</a:t>
             </a:r>
-            <a:endParaRPr lang="de-DE" sz="1700">
+            <a:endParaRPr lang="de-DE" sz="1700" dirty="0">
               <a:solidFill>
                 <a:schemeClr val="tx1"/>
               </a:solidFill>
@@ -17181,13 +17474,31 @@
               <a:buChar char="•"/>
             </a:pPr>
             <a:r>
-              <a:rPr lang="de" sz="1700">
+              <a:rPr lang="de" sz="1700" dirty="0">
                 <a:solidFill>
                   <a:schemeClr val="tx1"/>
                 </a:solidFill>
                 <a:latin typeface="PT Sans"/>
               </a:rPr>
-              <a:t>Twilight Struggle Daten werden gar nicht oder nicht richtig gefiltert ausgegeben.</a:t>
+              <a:t>Twilight </a:t>
+            </a:r>
+            <a:r>
+              <a:rPr lang="de" sz="1700" dirty="0" err="1">
+                <a:solidFill>
+                  <a:schemeClr val="tx1"/>
+                </a:solidFill>
+                <a:latin typeface="PT Sans"/>
+              </a:rPr>
+              <a:t>Struggle</a:t>
+            </a:r>
+            <a:r>
+              <a:rPr lang="de" sz="1700" dirty="0">
+                <a:solidFill>
+                  <a:schemeClr val="tx1"/>
+                </a:solidFill>
+                <a:latin typeface="PT Sans"/>
+              </a:rPr>
+              <a:t> Daten werden gar nicht oder nicht richtig gefiltert ausgegeben.</a:t>
             </a:r>
           </a:p>
           <a:p>
@@ -17195,15 +17506,69 @@
               <a:buChar char="•"/>
             </a:pPr>
             <a:r>
-              <a:rPr lang="de" sz="1700">
+              <a:rPr lang="de" sz="1700" dirty="0">
                 <a:solidFill>
                   <a:schemeClr val="tx1"/>
                 </a:solidFill>
                 <a:latin typeface="PT Sans"/>
               </a:rPr>
-              <a:t>The Cones of Dunshire Daten werden ausgegeben.</a:t>
+              <a:t>The </a:t>
             </a:r>
-            <a:endParaRPr lang="de-DE" sz="1700">
+            <a:r>
+              <a:rPr lang="de" sz="1700" dirty="0" err="1">
+                <a:solidFill>
+                  <a:schemeClr val="tx1"/>
+                </a:solidFill>
+                <a:latin typeface="PT Sans"/>
+              </a:rPr>
+              <a:t>Cones</a:t>
+            </a:r>
+            <a:r>
+              <a:rPr lang="de" sz="1700" dirty="0">
+                <a:solidFill>
+                  <a:schemeClr val="tx1"/>
+                </a:solidFill>
+                <a:latin typeface="PT Sans"/>
+              </a:rPr>
+              <a:t> </a:t>
+            </a:r>
+            <a:r>
+              <a:rPr lang="de" sz="1700" dirty="0" err="1">
+                <a:solidFill>
+                  <a:schemeClr val="tx1"/>
+                </a:solidFill>
+                <a:latin typeface="PT Sans"/>
+              </a:rPr>
+              <a:t>of</a:t>
+            </a:r>
+            <a:r>
+              <a:rPr lang="de" sz="1700" dirty="0">
+                <a:solidFill>
+                  <a:schemeClr val="tx1"/>
+                </a:solidFill>
+                <a:latin typeface="PT Sans"/>
+              </a:rPr>
+              <a:t> </a:t>
+            </a:r>
+            <a:r>
+              <a:rPr lang="de" sz="1700" dirty="0" err="1">
+                <a:solidFill>
+                  <a:schemeClr val="tx1"/>
+                </a:solidFill>
+                <a:latin typeface="PT Sans"/>
+              </a:rPr>
+              <a:t>Dunshire</a:t>
+            </a:r>
+            <a:r>
+              <a:rPr lang="de" sz="1700" dirty="0">
+                <a:solidFill>
+                  <a:schemeClr val="tx1"/>
+                </a:solidFill>
+                <a:latin typeface="PT Sans"/>
+              </a:rPr>
+              <a:t> Daten werden ausgegeben.</a:t>
+            </a:r>
+            <a:endParaRPr lang="de-DE" sz="1700" dirty="0">
               <a:solidFill>
                 <a:schemeClr val="tx1"/>
               </a:solidFill>
@@ -17217,7 +17582,7 @@
           </a:p>
           <a:p>
             <a:r>
-              <a:rPr lang="de" sz="1700">
+              <a:rPr lang="de" sz="1700" b="1" dirty="0">
                 <a:solidFill>
                   <a:schemeClr val="tx1"/>
                 </a:solidFill>
@@ -17231,7 +17596,7 @@
               <a:buChar char="•"/>
             </a:pPr>
             <a:r>
-              <a:rPr lang="de" sz="1700">
+              <a:rPr lang="de" sz="1700" dirty="0">
                 <a:solidFill>
                   <a:schemeClr val="tx1"/>
                 </a:solidFill>
@@ -17239,7 +17604,7 @@
               </a:rPr>
               <a:t>Manuelle Filterung und Eingabe</a:t>
             </a:r>
-            <a:endParaRPr lang="de" sz="1700" i="1">
+            <a:endParaRPr lang="de" sz="1700" i="1" dirty="0">
               <a:solidFill>
                 <a:schemeClr val="tx1"/>
               </a:solidFill>
@@ -18165,15 +18530,226 @@
           <a:lstStyle/>
           <a:p>
             <a:r>
-              <a:rPr lang="de" sz="1700" b="1">
+              <a:rPr lang="de" sz="1700" b="1" dirty="0">
                 <a:solidFill>
                   <a:schemeClr val="tx1"/>
                 </a:solidFill>
-                <a:latin typeface="PT Sans" panose="020B0503020203020204" pitchFamily="34" charset="0"/>
+                <a:latin typeface="PT Sans"/>
               </a:rPr>
-              <a:t>Proof of Concept für Speicherung in eigene DB</a:t>
+              <a:t>Proof </a:t>
             </a:r>
+            <a:r>
+              <a:rPr lang="de" sz="1700" b="1" dirty="0" err="1">
+                <a:solidFill>
+                  <a:schemeClr val="tx1"/>
+                </a:solidFill>
+                <a:latin typeface="PT Sans"/>
+              </a:rPr>
+              <a:t>of</a:t>
+            </a:r>
+            <a:r>
+              <a:rPr lang="de" sz="1700" b="1" dirty="0">
+                <a:solidFill>
+                  <a:schemeClr val="tx1"/>
+                </a:solidFill>
+                <a:latin typeface="PT Sans"/>
+              </a:rPr>
+              <a:t> Concept für Speicherung in eigene DB</a:t>
+            </a:r>
+            <a:endParaRPr lang="en-US" sz="1700" dirty="0">
+              <a:solidFill>
+                <a:schemeClr val="tx1"/>
+              </a:solidFill>
+              <a:latin typeface="PT Sans"/>
+            </a:endParaRPr>
+          </a:p>
+          <a:p>
             <a:endParaRPr lang="en-US" sz="1700">
+              <a:latin typeface="PT Sans" panose="020B0503020203020204" pitchFamily="34" charset="0"/>
+            </a:endParaRPr>
+          </a:p>
+          <a:p>
+            <a:endParaRPr lang="de-DE" sz="1700">
+              <a:latin typeface="PT Sans" panose="020B0503020203020204" pitchFamily="34" charset="0"/>
+            </a:endParaRPr>
+          </a:p>
+          <a:p>
+            <a:r>
+              <a:rPr lang="de" sz="1700" dirty="0">
+                <a:solidFill>
+                  <a:schemeClr val="tx1"/>
+                </a:solidFill>
+                <a:latin typeface="PT Sans"/>
+              </a:rPr>
+              <a:t>Für das System ist ein die Nutzung eines eigenen Datenbanksystem trotzdem notwendig. Diese Datenbank soll mit den Daten aus BGG gespeist und aktuell gehalten werden. Damit dient sie als Fallback-Option, falls BGG nicht erreichbar ist. Außerdem können so Entwickler ihre Prototypen mit in die Datenbank einfügen und sind somit für den </a:t>
+            </a:r>
+            <a:r>
+              <a:rPr lang="de" sz="1700" dirty="0" err="1">
+                <a:solidFill>
+                  <a:schemeClr val="tx1"/>
+                </a:solidFill>
+                <a:latin typeface="PT Sans"/>
+              </a:rPr>
+              <a:t>Matching</a:t>
+            </a:r>
+            <a:r>
+              <a:rPr lang="de" sz="1700" dirty="0">
+                <a:solidFill>
+                  <a:schemeClr val="tx1"/>
+                </a:solidFill>
+                <a:latin typeface="PT Sans"/>
+              </a:rPr>
+              <a:t>-Algorithmus verfügbar. Für den PoC wird eine Datenbank eingerichtet. Anhand einer Eingabe von mindestens Name, Genre und Komplexität wird ein Spielobjekt erzeugt, welches dann auf der Konsole auszugeben ist, sowie auf der Datenbank zu speichern ist.</a:t>
+            </a:r>
+            <a:endParaRPr lang="de-DE" sz="1700" dirty="0">
+              <a:solidFill>
+                <a:schemeClr val="tx1"/>
+              </a:solidFill>
+              <a:latin typeface="PT Sans"/>
+            </a:endParaRPr>
+          </a:p>
+          <a:p>
+            <a:endParaRPr lang="de-DE" sz="1700">
+              <a:latin typeface="PT Sans" panose="020B0503020203020204" pitchFamily="34" charset="0"/>
+            </a:endParaRPr>
+          </a:p>
+          <a:p>
+            <a:r>
+              <a:rPr lang="de" sz="1700" b="1" dirty="0">
+                <a:solidFill>
+                  <a:schemeClr val="tx1"/>
+                </a:solidFill>
+                <a:latin typeface="PT Sans"/>
+              </a:rPr>
+              <a:t>Exit-Kriterien:</a:t>
+            </a:r>
+          </a:p>
+          <a:p>
+            <a:pPr marL="285750" indent="-285750">
+              <a:buChar char="•"/>
+            </a:pPr>
+            <a:r>
+              <a:rPr lang="de" sz="1700" dirty="0">
+                <a:solidFill>
+                  <a:schemeClr val="tx1"/>
+                </a:solidFill>
+                <a:latin typeface="PT Sans"/>
+              </a:rPr>
+              <a:t>Spielobjekt wird erfolgreich erzeugt.</a:t>
+            </a:r>
+            <a:endParaRPr lang="de-DE" sz="1700" dirty="0">
+              <a:solidFill>
+                <a:schemeClr val="tx1"/>
+              </a:solidFill>
+              <a:latin typeface="PT Sans"/>
+            </a:endParaRPr>
+          </a:p>
+          <a:p>
+            <a:pPr marL="285750" indent="-285750">
+              <a:buChar char="•"/>
+            </a:pPr>
+            <a:r>
+              <a:rPr lang="de" sz="1700" dirty="0">
+                <a:solidFill>
+                  <a:schemeClr val="tx1"/>
+                </a:solidFill>
+                <a:latin typeface="PT Sans"/>
+              </a:rPr>
+              <a:t>Spiel wurde erfolgreich der Datenbank hinzugefügt.</a:t>
+            </a:r>
+            <a:endParaRPr lang="de-DE" sz="1700" dirty="0">
+              <a:solidFill>
+                <a:schemeClr val="tx1"/>
+              </a:solidFill>
+              <a:latin typeface="PT Sans"/>
+            </a:endParaRPr>
+          </a:p>
+          <a:p>
+            <a:endParaRPr lang="de-DE" sz="1700">
+              <a:latin typeface="PT Sans" panose="020B0503020203020204" pitchFamily="34" charset="0"/>
+            </a:endParaRPr>
+          </a:p>
+          <a:p>
+            <a:r>
+              <a:rPr lang="de" sz="1700" b="1" dirty="0">
+                <a:solidFill>
+                  <a:schemeClr val="tx1"/>
+                </a:solidFill>
+                <a:latin typeface="PT Sans"/>
+              </a:rPr>
+              <a:t>Fail-Kriterien:</a:t>
+            </a:r>
+          </a:p>
+          <a:p>
+            <a:pPr marL="285750" indent="-285750">
+              <a:buChar char="•"/>
+            </a:pPr>
+            <a:r>
+              <a:rPr lang="de" sz="1700" dirty="0">
+                <a:solidFill>
+                  <a:schemeClr val="tx1"/>
+                </a:solidFill>
+                <a:latin typeface="PT Sans"/>
+              </a:rPr>
+              <a:t>Spielobjekt wird nicht erfolgreich erzeugt.</a:t>
+            </a:r>
+            <a:endParaRPr lang="de-DE" sz="1700" dirty="0">
+              <a:solidFill>
+                <a:schemeClr val="tx1"/>
+              </a:solidFill>
+              <a:latin typeface="PT Sans"/>
+            </a:endParaRPr>
+          </a:p>
+          <a:p>
+            <a:pPr marL="285750" indent="-285750">
+              <a:buChar char="•"/>
+            </a:pPr>
+            <a:r>
+              <a:rPr lang="de" sz="1700" dirty="0">
+                <a:solidFill>
+                  <a:schemeClr val="tx1"/>
+                </a:solidFill>
+                <a:latin typeface="PT Sans"/>
+              </a:rPr>
+              <a:t>Spiel konnte nicht der Datenbank hinzugefügt werden.</a:t>
+            </a:r>
+            <a:endParaRPr lang="de-DE" sz="1700" dirty="0">
+              <a:solidFill>
+                <a:schemeClr val="tx1"/>
+              </a:solidFill>
+              <a:latin typeface="PT Sans"/>
+            </a:endParaRPr>
+          </a:p>
+          <a:p>
+            <a:endParaRPr lang="de-DE" sz="1700">
+              <a:latin typeface="PT Sans" panose="020B0503020203020204" pitchFamily="34" charset="0"/>
+            </a:endParaRPr>
+          </a:p>
+          <a:p>
+            <a:r>
+              <a:rPr lang="de" sz="1700" b="1" dirty="0">
+                <a:solidFill>
+                  <a:schemeClr val="tx1"/>
+                </a:solidFill>
+                <a:latin typeface="PT Sans"/>
+              </a:rPr>
+              <a:t>Fallbacks:</a:t>
+            </a:r>
+          </a:p>
+          <a:p>
+            <a:pPr marL="285750" indent="-285750">
+              <a:buChar char="•"/>
+            </a:pPr>
+            <a:r>
+              <a:rPr lang="de" sz="1700" dirty="0">
+                <a:solidFill>
+                  <a:schemeClr val="tx1"/>
+                </a:solidFill>
+                <a:latin typeface="PT Sans"/>
+              </a:rPr>
+              <a:t>Alternative persistente Datenspeicherung als ein Datenbanksystem nutzen. </a:t>
+            </a:r>
+            <a:endParaRPr lang="de" sz="1700" dirty="0">
               <a:solidFill>
                 <a:schemeClr val="tx1"/>
               </a:solidFill>
@@ -18181,184 +18757,15 @@
             </a:endParaRPr>
           </a:p>
           <a:p>
-            <a:endParaRPr lang="en-US" sz="1700">
-              <a:latin typeface="PT Sans" panose="020B0503020203020204" pitchFamily="34" charset="0"/>
-            </a:endParaRPr>
-          </a:p>
-          <a:p>
-            <a:endParaRPr lang="de-DE" sz="1700">
-              <a:latin typeface="PT Sans" panose="020B0503020203020204" pitchFamily="34" charset="0"/>
-            </a:endParaRPr>
-          </a:p>
-          <a:p>
-            <a:r>
-              <a:rPr lang="de" sz="1700">
-                <a:solidFill>
-                  <a:schemeClr val="tx1"/>
-                </a:solidFill>
-                <a:latin typeface="PT Sans" panose="020B0503020203020204" pitchFamily="34" charset="0"/>
-              </a:rPr>
-              <a:t>Für das System ist ein die Nutzung eines eigenen Datenbanksystem trotzdem notwendig. Diese Datenbank soll mit den Daten aus BGG gespeist und aktuell gehalten werden. Damit dient sie als Fallback-Option, falls BGG nicht erreichbar ist. Außerdem können so Entwickler ihre Prototypen mit in die Datenbank einfügen und sind somit für den Matching-Algorithmus verfügbar. Für den PoC wird eine Datenbank eingerichtet. Anhand einer Eingabe von mindestens Name, Genre und Komplexität wird ein Spielobjekt erzeugt, welches dann auf der Konsole auszugeben ist, sowie auf der Datenbank zu speichern ist.</a:t>
-            </a:r>
-            <a:endParaRPr lang="de-DE" sz="1700">
-              <a:solidFill>
-                <a:schemeClr val="tx1"/>
-              </a:solidFill>
-              <a:latin typeface="PT Sans" panose="020B0503020203020204" pitchFamily="34" charset="0"/>
-            </a:endParaRPr>
-          </a:p>
-          <a:p>
-            <a:endParaRPr lang="de-DE" sz="1700">
-              <a:latin typeface="PT Sans" panose="020B0503020203020204" pitchFamily="34" charset="0"/>
-            </a:endParaRPr>
-          </a:p>
-          <a:p>
-            <a:r>
-              <a:rPr lang="de" sz="1700">
-                <a:solidFill>
-                  <a:schemeClr val="tx1"/>
-                </a:solidFill>
-                <a:latin typeface="PT Sans" panose="020B0503020203020204" pitchFamily="34" charset="0"/>
-              </a:rPr>
-              <a:t>Exit-Kriterien:</a:t>
-            </a:r>
-          </a:p>
-          <a:p>
             <a:pPr marL="285750" indent="-285750">
               <a:buChar char="•"/>
             </a:pPr>
             <a:r>
-              <a:rPr lang="de" sz="1700">
+              <a:rPr lang="de" sz="1700" dirty="0">
                 <a:solidFill>
                   <a:schemeClr val="tx1"/>
                 </a:solidFill>
-                <a:latin typeface="PT Sans" panose="020B0503020203020204" pitchFamily="34" charset="0"/>
-              </a:rPr>
-              <a:t>Spielobjekt wird erfolgreich erzeugt.</a:t>
-            </a:r>
-            <a:endParaRPr lang="de-DE" sz="1700">
-              <a:solidFill>
-                <a:schemeClr val="tx1"/>
-              </a:solidFill>
-              <a:latin typeface="PT Sans" panose="020B0503020203020204" pitchFamily="34" charset="0"/>
-            </a:endParaRPr>
-          </a:p>
-          <a:p>
-            <a:pPr marL="285750" indent="-285750">
-              <a:buChar char="•"/>
-            </a:pPr>
-            <a:r>
-              <a:rPr lang="de" sz="1700">
-                <a:solidFill>
-                  <a:schemeClr val="tx1"/>
-                </a:solidFill>
-                <a:latin typeface="PT Sans" panose="020B0503020203020204" pitchFamily="34" charset="0"/>
-              </a:rPr>
-              <a:t>Spiel wurde erfolgreich der Datenbank hinzugefügt.</a:t>
-            </a:r>
-            <a:endParaRPr lang="de-DE" sz="1700">
-              <a:solidFill>
-                <a:schemeClr val="tx1"/>
-              </a:solidFill>
-              <a:latin typeface="PT Sans" panose="020B0503020203020204" pitchFamily="34" charset="0"/>
-            </a:endParaRPr>
-          </a:p>
-          <a:p>
-            <a:endParaRPr lang="de-DE" sz="1700">
-              <a:latin typeface="PT Sans" panose="020B0503020203020204" pitchFamily="34" charset="0"/>
-            </a:endParaRPr>
-          </a:p>
-          <a:p>
-            <a:r>
-              <a:rPr lang="de" sz="1700">
-                <a:solidFill>
-                  <a:schemeClr val="tx1"/>
-                </a:solidFill>
-                <a:latin typeface="PT Sans" panose="020B0503020203020204" pitchFamily="34" charset="0"/>
-              </a:rPr>
-              <a:t>Fail-Kriterien:</a:t>
-            </a:r>
-          </a:p>
-          <a:p>
-            <a:pPr marL="285750" indent="-285750">
-              <a:buChar char="•"/>
-            </a:pPr>
-            <a:r>
-              <a:rPr lang="de" sz="1700">
-                <a:solidFill>
-                  <a:schemeClr val="tx1"/>
-                </a:solidFill>
-                <a:latin typeface="PT Sans" panose="020B0503020203020204" pitchFamily="34" charset="0"/>
-              </a:rPr>
-              <a:t>Spielobjekt wird nicht erfolgreich erzeugt.</a:t>
-            </a:r>
-            <a:endParaRPr lang="de-DE" sz="1700">
-              <a:solidFill>
-                <a:schemeClr val="tx1"/>
-              </a:solidFill>
-              <a:latin typeface="PT Sans" panose="020B0503020203020204" pitchFamily="34" charset="0"/>
-            </a:endParaRPr>
-          </a:p>
-          <a:p>
-            <a:pPr marL="285750" indent="-285750">
-              <a:buChar char="•"/>
-            </a:pPr>
-            <a:r>
-              <a:rPr lang="de" sz="1700">
-                <a:solidFill>
-                  <a:schemeClr val="tx1"/>
-                </a:solidFill>
-                <a:latin typeface="PT Sans" panose="020B0503020203020204" pitchFamily="34" charset="0"/>
-              </a:rPr>
-              <a:t>Spiel konnte nicht der Datenbank hinzugefügt werden.</a:t>
-            </a:r>
-            <a:endParaRPr lang="de-DE" sz="1700">
-              <a:solidFill>
-                <a:schemeClr val="tx1"/>
-              </a:solidFill>
-              <a:latin typeface="PT Sans" panose="020B0503020203020204" pitchFamily="34" charset="0"/>
-            </a:endParaRPr>
-          </a:p>
-          <a:p>
-            <a:endParaRPr lang="de-DE" sz="1700">
-              <a:latin typeface="PT Sans" panose="020B0503020203020204" pitchFamily="34" charset="0"/>
-            </a:endParaRPr>
-          </a:p>
-          <a:p>
-            <a:r>
-              <a:rPr lang="de" sz="1700">
-                <a:solidFill>
-                  <a:schemeClr val="tx1"/>
-                </a:solidFill>
-                <a:latin typeface="PT Sans" panose="020B0503020203020204" pitchFamily="34" charset="0"/>
-              </a:rPr>
-              <a:t>Fallbacks:</a:t>
-            </a:r>
-          </a:p>
-          <a:p>
-            <a:pPr marL="285750" indent="-285750">
-              <a:buChar char="•"/>
-            </a:pPr>
-            <a:r>
-              <a:rPr lang="de" sz="1700">
-                <a:solidFill>
-                  <a:schemeClr val="tx1"/>
-                </a:solidFill>
-                <a:latin typeface="PT Sans" panose="020B0503020203020204" pitchFamily="34" charset="0"/>
-              </a:rPr>
-              <a:t>Alternative persistente Datenspeicherung als ein Datenbanksystem nutzen. </a:t>
-            </a:r>
-          </a:p>
-          <a:p>
-            <a:pPr marL="285750" indent="-285750">
-              <a:buChar char="•"/>
-            </a:pPr>
-            <a:r>
-              <a:rPr lang="de" sz="1700">
-                <a:solidFill>
-                  <a:schemeClr val="tx1"/>
-                </a:solidFill>
-                <a:latin typeface="PT Sans" panose="020B0503020203020204" pitchFamily="34" charset="0"/>
+                <a:latin typeface="PT Sans"/>
               </a:rPr>
               <a:t>Spielobjekte könnten einzeln als JSONs exportiert werden.</a:t>
             </a:r>
@@ -25185,8 +25592,8 @@
         </p:nvSpPr>
         <p:spPr>
           <a:xfrm>
-            <a:off x="768350" y="733967"/>
-            <a:ext cx="5031600" cy="338554"/>
+            <a:off x="768350" y="603162"/>
+            <a:ext cx="5031600" cy="600164"/>
           </a:xfrm>
           <a:prstGeom prst="rect">
             <a:avLst/>
@@ -25202,31 +25609,51 @@
           </a:bodyPr>
           <a:lstStyle/>
           <a:p>
-            <a:pPr marL="0" lvl="0" indent="0" algn="l" rtl="0">
-              <a:spcBef>
-                <a:spcPts val="0"/>
-              </a:spcBef>
-              <a:spcAft>
-                <a:spcPts val="0"/>
-              </a:spcAft>
-              <a:buClr>
-                <a:schemeClr val="dk1"/>
-              </a:buClr>
-              <a:buSzPts val="2100"/>
-              <a:buFont typeface="Roboto Slab"/>
+            <a:pPr marL="0" lvl="0" indent="0" algn="l">
+              <a:spcBef>
+                <a:spcPts val="0"/>
+              </a:spcBef>
+              <a:spcAft>
+                <a:spcPts val="0"/>
+              </a:spcAft>
               <a:buNone/>
             </a:pPr>
             <a:r>
-              <a:rPr lang="de-DE" sz="2200">
+              <a:rPr lang="de-DE" sz="2200" dirty="0">
                 <a:solidFill>
                   <a:schemeClr val="dk1"/>
                 </a:solidFill>
-                <a:latin typeface="Roboto Slab"/>
                 <a:ea typeface="Roboto Slab"/>
-                <a:cs typeface="Roboto Slab"/>
+                <a:sym typeface="Roboto Slab"/>
               </a:rPr>
               <a:t>Szenarien</a:t>
             </a:r>
+            <a:endParaRPr lang="de-DE" dirty="0"/>
+          </a:p>
+          <a:p>
+            <a:pPr marL="0" marR="0" lvl="0" indent="0" algn="l" rtl="0">
+              <a:lnSpc>
+                <a:spcPct val="100000"/>
+              </a:lnSpc>
+              <a:spcBef>
+                <a:spcPts val="0"/>
+              </a:spcBef>
+              <a:spcAft>
+                <a:spcPts val="0"/>
+              </a:spcAft>
+              <a:buClr>
+                <a:srgbClr val="000000"/>
+              </a:buClr>
+              <a:buSzPts val="2100"/>
+              <a:buFont typeface="Roboto Slab"/>
+              <a:buNone/>
+            </a:pPr>
+            <a:endParaRPr sz="1700" b="1">
+              <a:latin typeface="Roboto Slab"/>
+              <a:ea typeface="Roboto Slab"/>
+              <a:cs typeface="Roboto Slab"/>
+              <a:sym typeface="Roboto Slab"/>
+            </a:endParaRPr>
           </a:p>
         </p:txBody>
       </p:sp>
@@ -25662,7 +26089,7 @@
         <p:spPr>
           <a:xfrm>
             <a:off x="768350" y="1587498"/>
-            <a:ext cx="11474450" cy="8356134"/>
+            <a:ext cx="11474450" cy="7325082"/>
           </a:xfrm>
           <a:prstGeom prst="rect">
             <a:avLst/>
@@ -25683,17 +26110,26 @@
                 <a:solidFill>
                   <a:schemeClr val="tx1"/>
                 </a:solidFill>
-                <a:latin typeface="PT Sans" panose="020B0503020203020204" pitchFamily="34" charset="0"/>
+                <a:latin typeface="Segoe UI"/>
+                <a:cs typeface="Segoe UI"/>
               </a:rPr>
               <a:t>Szenario für Spiele-Prototypen</a:t>
             </a:r>
+            <a:endParaRPr lang="en-US" sz="1700" dirty="0">
+              <a:solidFill>
+                <a:schemeClr val="tx1"/>
+              </a:solidFill>
+              <a:latin typeface="Segoe UI"/>
+              <a:cs typeface="Segoe UI"/>
+            </a:endParaRPr>
           </a:p>
           <a:p>
             <a:endParaRPr lang="de" sz="1700" dirty="0">
               <a:solidFill>
                 <a:schemeClr val="tx1"/>
               </a:solidFill>
-              <a:latin typeface="PT Sans" panose="020B0503020203020204" pitchFamily="34" charset="0"/>
+              <a:latin typeface="Segoe UI"/>
+              <a:cs typeface="Segoe UI"/>
             </a:endParaRPr>
           </a:p>
           <a:p>
@@ -25702,21 +26138,39 @@
                 <a:solidFill>
                   <a:schemeClr val="tx1"/>
                 </a:solidFill>
-                <a:latin typeface="PT Sans" panose="020B0503020203020204" pitchFamily="34" charset="0"/>
+                <a:latin typeface="Segoe UI"/>
+                <a:cs typeface="Segoe UI"/>
               </a:rPr>
-              <a:t>Lisa und Nick lieben Brettspiele und haben an ihrem selbst entwickelten Brettspiel gearbeitet. Nachdem sie den Prototypen fertiggestellt hatten, standen sie vor einem Problem: Sie brauchten dringend Tester, um das Spiel zu überprüfen und Feedback zu erhalten, bevor sie es weiter verbessern konnten. Sie haben den Prototypen zunächst in ihren Freundeskreisen vorgestellt und getestet, aber Lisa und Nick wünschten sich eine breitere Masse an Testern, die Erfahrungen mit Brettspiele haben und konstruktive Kritik geben können.</a:t>
+              <a:t>Lisa und Nick lieben Brettspiele und haben an ihrem selbst entwickelten Brettspiel gearbeitet. Nachdem sie den Prototypen fertiggestellt hatten, standen sie vor einem Problem</a:t>
             </a:r>
-          </a:p>
-          <a:p>
+            <a:r>
+              <a:rPr lang="de" sz="1700" i="0" u="none" strike="noStrike" dirty="0">
+                <a:solidFill>
+                  <a:schemeClr val="tx1"/>
+                </a:solidFill>
+                <a:effectLst/>
+                <a:latin typeface="Segoe UI"/>
+                <a:cs typeface="Segoe UI"/>
+              </a:rPr>
+              <a:t>: </a:t>
+            </a:r>
             <a:r>
               <a:rPr lang="de" sz="1700" dirty="0">
                 <a:solidFill>
                   <a:schemeClr val="tx1"/>
                 </a:solidFill>
-                <a:latin typeface="PT Sans" panose="020B0503020203020204" pitchFamily="34" charset="0"/>
+                <a:latin typeface="Segoe UI"/>
+                <a:cs typeface="Segoe UI"/>
               </a:rPr>
-              <a:t>Nachdem sie verschiedene Methoden ausprobiert hatten, um Tester zu finden, stießen sie auf eine App, um Mitspieler für Brettspiele zu finden.</a:t>
+              <a:t>Sie brauchten dringend Tester, um das Spiel zu überprüfen und Feedback zu erhalten, bevor sie es weiter verbessern konnten. Sie haben den Prototypen zunächst in ihren Freundeskreisen vorgestellt und getestet, aber Lisa und Nick wünschten sich eine breitere Masse an Testern, die Erfahrungen mit Brettspiele haben und konstruktive Kritik geben können.</a:t>
             </a:r>
+            <a:endParaRPr lang="en-US" sz="1700">
+              <a:solidFill>
+                <a:schemeClr val="tx1"/>
+              </a:solidFill>
+              <a:latin typeface="Segoe UI"/>
+              <a:cs typeface="Segoe UI"/>
+            </a:endParaRPr>
           </a:p>
           <a:p>
             <a:r>
@@ -25724,15 +26178,76 @@
                 <a:solidFill>
                   <a:schemeClr val="tx1"/>
                 </a:solidFill>
-                <a:latin typeface="PT Sans" panose="020B0503020203020204" pitchFamily="34" charset="0"/>
+                <a:latin typeface="Segoe UI"/>
+                <a:cs typeface="Segoe UI"/>
               </a:rPr>
-              <a:t>Lisa und Nick erstellten ein Profil auf der App, formulierten eine Spielersuche und markierten es als Test eines Prototyps. Sie beschrieben das Spiel, um anderen Spielern eine Vorstellung davon zu geben, worum es ging. Die App ermöglicht es ihnen auch, bestimmte Kriterien für Tester festzulegen, wie Erfahrung mit komplexen Spielen oder Interesse an bestimmten Spielgenres.</a:t>
+              <a:t>Nachdem sie verschiedene Methoden ausprobiert hatten, um Tester zu finden, stießen sie auf eine App, um Mitspieler </a:t>
+            </a:r>
+            <a:r>
+              <a:rPr lang="de" sz="1700" i="0" u="none" strike="noStrike" dirty="0">
+                <a:solidFill>
+                  <a:schemeClr val="tx1"/>
+                </a:solidFill>
+                <a:effectLst/>
+                <a:latin typeface="Segoe UI"/>
+                <a:cs typeface="Segoe UI"/>
+              </a:rPr>
+              <a:t>für</a:t>
+            </a:r>
+            <a:r>
+              <a:rPr lang="de" sz="1700" dirty="0">
+                <a:solidFill>
+                  <a:schemeClr val="tx1"/>
+                </a:solidFill>
+                <a:latin typeface="Segoe UI"/>
+                <a:cs typeface="Segoe UI"/>
+              </a:rPr>
+              <a:t> Brettspiele zu finden.</a:t>
+            </a:r>
+            <a:endParaRPr lang="en-US" sz="1700" dirty="0">
+              <a:solidFill>
+                <a:schemeClr val="tx1"/>
+              </a:solidFill>
+              <a:latin typeface="Segoe UI"/>
+              <a:cs typeface="Segoe UI"/>
+            </a:endParaRPr>
+          </a:p>
+          <a:p>
+            <a:r>
+              <a:rPr lang="de" sz="1700" dirty="0">
+                <a:solidFill>
+                  <a:schemeClr val="tx1"/>
+                </a:solidFill>
+                <a:latin typeface="Segoe UI"/>
+                <a:cs typeface="Segoe UI"/>
+              </a:rPr>
+              <a:t>Lisa und Nick erstellten ein Profil auf der App, formulierten eine Spielersuche und markierten es als Test eines Prototyps. Sie beschrieben das Spiel, um anderen Spielern eine Vorstellung davon zu geben, worum es ging. Die App ermöglicht es ihnen auch, bestimmte Kriterien für Tester festzulegen, wie Erfahrung mit komplexen Spielen oder Interesse an bestimmten Spielgenres.</a:t>
+            </a:r>
+            <a:endParaRPr lang="de-DE" sz="1700">
+              <a:solidFill>
+                <a:schemeClr val="tx1"/>
+              </a:solidFill>
+              <a:latin typeface="Segoe UI"/>
+              <a:cs typeface="Segoe UI"/>
+            </a:endParaRPr>
+          </a:p>
+          <a:p>
+            <a:r>
+              <a:rPr lang="de" sz="1700" dirty="0">
+                <a:solidFill>
+                  <a:schemeClr val="tx1"/>
+                </a:solidFill>
+                <a:latin typeface="Segoe UI"/>
+                <a:cs typeface="Segoe UI"/>
+              </a:rPr>
+              <a:t>Daraufhin bekamen die beiden viele Nachrichten von Interessierten, die Fragen zu den Prototypen stellten und freiwillige Personen, die das Spiel testen wollten. Die App ermöglichte es ihnen, gezielt nach Spielern zu suchen, die ihren Kriterien entsprechen und bereit waren, konstruktives Feedback zu geben.</a:t>
             </a:r>
             <a:endParaRPr lang="de-DE" sz="1700" dirty="0">
               <a:solidFill>
                 <a:schemeClr val="tx1"/>
               </a:solidFill>
-              <a:latin typeface="PT Sans" panose="020B0503020203020204" pitchFamily="34" charset="0"/>
+              <a:latin typeface="Segoe UI"/>
+              <a:cs typeface="Segoe UI"/>
             </a:endParaRPr>
           </a:p>
           <a:p>
@@ -25741,15 +26256,17 @@
                 <a:solidFill>
                   <a:schemeClr val="tx1"/>
                 </a:solidFill>
-                <a:latin typeface="PT Sans" panose="020B0503020203020204" pitchFamily="34" charset="0"/>
+                <a:latin typeface="Segoe UI"/>
+                <a:cs typeface="Segoe UI"/>
               </a:rPr>
-              <a:t>Daraufhin bekamen die beiden viele Nachrichten von Interessierten, die Fragen zu den Prototypen stellten und freiwillige Personen, die das Spiel testen wollten. Die App ermöglichte es ihnen, gezielt nach Spielern zu suchen, die ihren Kriterien entsprechen und bereit waren, konstruktives Feedback zu geben.</a:t>
+              <a:t>Lisa und Nick organisierten Testrunden über die App, luden die ausgewählten Tester ein und führten Spieletests durch. Durch die App können sie auch die Meinungen der Spieler protokollieren, Fragen stellen und Diskussionen über verschiedene Aspekte ihres Spiels führen.</a:t>
             </a:r>
-            <a:endParaRPr lang="de-DE" sz="1700" dirty="0">
+            <a:endParaRPr lang="de-DE" sz="1700">
               <a:solidFill>
                 <a:schemeClr val="tx1"/>
               </a:solidFill>
-              <a:latin typeface="PT Sans" panose="020B0503020203020204" pitchFamily="34" charset="0"/>
+              <a:latin typeface="Segoe UI"/>
+              <a:cs typeface="Segoe UI"/>
             </a:endParaRPr>
           </a:p>
           <a:p>
@@ -25758,63 +26275,41 @@
                 <a:solidFill>
                   <a:schemeClr val="tx1"/>
                 </a:solidFill>
-                <a:latin typeface="PT Sans" panose="020B0503020203020204" pitchFamily="34" charset="0"/>
+                <a:latin typeface="Segoe UI"/>
+                <a:cs typeface="Segoe UI"/>
               </a:rPr>
-              <a:t>Lisa und Nick organisierten Testrunden über die App, luden die ausgewählten Tester ein und führten Spieletests durch. Durch die App können sie auch die Meinungen der Spieler protokollieren, Fragen stellen und Diskussionen über verschiedene Aspekte ihres Spiels führen.</a:t>
+              <a:t>Mit Hilfe der App erhalten sie wertvolles Feedback von einer breiten Palette an Spielern mit unterschiedlichen Perspektiven und Spielstilen. Sie konnten das Spiel verbessern und anpassen, basierend auf den Rückmeldungen, die sie durch die App erhalten hatten.</a:t>
             </a:r>
-            <a:endParaRPr lang="de-DE" sz="1700" dirty="0">
+            <a:endParaRPr lang="de-DE" dirty="0">
               <a:solidFill>
                 <a:schemeClr val="tx1"/>
               </a:solidFill>
+              <a:latin typeface="Segoe UI"/>
+              <a:cs typeface="Segoe UI"/>
+            </a:endParaRPr>
+          </a:p>
+          <a:p>
+            <a:endParaRPr lang="de-DE" sz="1700">
               <a:latin typeface="PT Sans" panose="020B0503020203020204" pitchFamily="34" charset="0"/>
             </a:endParaRPr>
           </a:p>
           <a:p>
-            <a:r>
-              <a:rPr lang="de" sz="1700" dirty="0">
-                <a:solidFill>
-                  <a:schemeClr val="tx1"/>
-                </a:solidFill>
-                <a:latin typeface="PT Sans" panose="020B0503020203020204" pitchFamily="34" charset="0"/>
-              </a:rPr>
-              <a:t>Mit Hilfe der App erhalten sie wertvolles Feedback von einer breiten Palette an Spielern mit unterschiedlichen Perspektiven und Spielstilen. Sie konnten das Spiel verbessern und anpassen, basierend auf den Rückmeldungen, die sie durch die App erhalten hatten.</a:t>
-            </a:r>
-            <a:br>
-              <a:rPr lang="en-US" sz="1700" dirty="0">
-                <a:latin typeface="PT Sans" panose="020B0503020203020204" pitchFamily="34" charset="0"/>
-              </a:rPr>
-            </a:br>
-            <a:endParaRPr lang="en-US" sz="1700" dirty="0">
-              <a:latin typeface="PT Sans" panose="020B0503020203020204" pitchFamily="34" charset="0"/>
-            </a:endParaRPr>
-          </a:p>
-          <a:p>
-            <a:endParaRPr lang="de" sz="1700" b="1" dirty="0">
+            <a:endParaRPr lang="de" sz="1700">
               <a:solidFill>
                 <a:schemeClr val="tx1"/>
               </a:solidFill>
-              <a:latin typeface="PT Sans" panose="020B0503020203020204" pitchFamily="34" charset="0"/>
             </a:endParaRPr>
           </a:p>
           <a:p>
-            <a:endParaRPr lang="de" sz="1700" b="1" dirty="0">
+            <a:endParaRPr lang="de" sz="1700">
               <a:solidFill>
                 <a:schemeClr val="tx1"/>
               </a:solidFill>
-              <a:latin typeface="PT Sans" panose="020B0503020203020204" pitchFamily="34" charset="0"/>
             </a:endParaRPr>
           </a:p>
           <a:p>
-            <a:endParaRPr lang="de-DE" sz="1700" b="1" dirty="0">
-              <a:solidFill>
-                <a:schemeClr val="tx1"/>
-              </a:solidFill>
-              <a:latin typeface="PT Sans" panose="020B0503020203020204" pitchFamily="34" charset="0"/>
-            </a:endParaRPr>
-          </a:p>
-          <a:p>
             <a:pPr algn="l"/>
-            <a:endParaRPr lang="de-DE" sz="1700" b="1" i="0" u="none" strike="noStrike" dirty="0">
+            <a:endParaRPr lang="de-DE" sz="1700" b="1" i="0">
               <a:solidFill>
                 <a:schemeClr val="tx1"/>
               </a:solidFill>
@@ -25823,51 +26318,21 @@
             </a:endParaRPr>
           </a:p>
           <a:p>
-            <a:pPr algn="l"/>
-            <a:endParaRPr lang="de-DE" sz="1700" b="1" dirty="0">
+            <a:endParaRPr lang="de-DE" sz="1700" b="1">
               <a:solidFill>
                 <a:schemeClr val="tx1"/>
               </a:solidFill>
               <a:latin typeface="PT Sans" panose="020B0503020203020204" pitchFamily="34" charset="0"/>
             </a:endParaRPr>
           </a:p>
-          <a:p>
-            <a:pPr algn="l"/>
-            <a:endParaRPr lang="de-DE" sz="1700" b="1" i="0" u="none" strike="noStrike" dirty="0">
-              <a:solidFill>
-                <a:schemeClr val="tx1"/>
-              </a:solidFill>
-              <a:effectLst/>
-              <a:latin typeface="PT Sans" panose="020B0503020203020204" pitchFamily="34" charset="0"/>
-            </a:endParaRPr>
-          </a:p>
-          <a:p>
-            <a:pPr algn="l"/>
-            <a:endParaRPr lang="de-DE" sz="1700" b="1" dirty="0">
-              <a:solidFill>
-                <a:schemeClr val="tx1"/>
-              </a:solidFill>
-              <a:latin typeface="PT Sans" panose="020B0503020203020204" pitchFamily="34" charset="0"/>
-            </a:endParaRPr>
-          </a:p>
-          <a:p>
-            <a:pPr algn="l"/>
-            <a:endParaRPr lang="de-DE" sz="1700" b="1" i="0" u="none" strike="noStrike" dirty="0">
-              <a:solidFill>
-                <a:schemeClr val="tx1"/>
-              </a:solidFill>
-              <a:effectLst/>
-              <a:latin typeface="PT Sans" panose="020B0503020203020204" pitchFamily="34" charset="0"/>
-            </a:endParaRPr>
-          </a:p>
         </p:txBody>
       </p:sp>
       <p:sp>
         <p:nvSpPr>
-          <p:cNvPr id="4" name="Slide Number Placeholder 1">
+          <p:cNvPr id="5" name="Slide Number Placeholder 1">
             <a:extLst>
               <a:ext uri="{FF2B5EF4-FFF2-40B4-BE49-F238E27FC236}">
-                <a16:creationId xmlns:a16="http://schemas.microsoft.com/office/drawing/2014/main" id="{7A0844FF-B453-422F-F00A-D3B9570A027A}"/>
+                <a16:creationId xmlns:a16="http://schemas.microsoft.com/office/drawing/2014/main" id="{C762792F-4CD3-E0F9-BC39-15BE78D8E6AF}"/>
               </a:ext>
             </a:extLst>
           </p:cNvPr>
@@ -26151,7 +26616,7 @@
     </p:spTree>
     <p:extLst>
       <p:ext uri="{BB962C8B-B14F-4D97-AF65-F5344CB8AC3E}">
-        <p14:creationId xmlns:p14="http://schemas.microsoft.com/office/powerpoint/2010/main" val="1208885568"/>
+        <p14:creationId xmlns:p14="http://schemas.microsoft.com/office/powerpoint/2010/main" val="2678393920"/>
       </p:ext>
     </p:extLst>
   </p:cSld>
@@ -28196,7 +28661,7 @@
     </p:spTree>
     <p:extLst>
       <p:ext uri="{BB962C8B-B14F-4D97-AF65-F5344CB8AC3E}">
-        <p14:creationId xmlns:p14="http://schemas.microsoft.com/office/powerpoint/2010/main" val="877160829"/>
+        <p14:creationId xmlns:p14="http://schemas.microsoft.com/office/powerpoint/2010/main" val="763527583"/>
       </p:ext>
     </p:extLst>
   </p:cSld>

--- a/Artefakte/WS2324_HausenHeSancak_Audit2.pptx
+++ b/Artefakte/WS2324_HausenHeSancak_Audit2.pptx
@@ -29,19 +29,19 @@
   <p:notesSz cx="6858000" cy="9144000"/>
   <p:embeddedFontLst>
     <p:embeddedFont>
-      <p:font typeface="Gill Sans" panose="020B0604020202020204" charset="0"/>
+      <p:font typeface="Gill Sans" panose="020B0600070205080204" charset="0"/>
       <p:regular r:id="rId22"/>
       <p:bold r:id="rId23"/>
     </p:embeddedFont>
     <p:embeddedFont>
-      <p:font typeface="Helvetica Neue" panose="020B0604020202020204" charset="0"/>
+      <p:font typeface="Helvetica Neue" panose="020B0600070205080204" charset="0"/>
       <p:regular r:id="rId24"/>
       <p:bold r:id="rId25"/>
       <p:italic r:id="rId26"/>
       <p:boldItalic r:id="rId27"/>
     </p:embeddedFont>
     <p:embeddedFont>
-      <p:font typeface="Helvetica Neue Light" panose="020B0604020202020204" charset="0"/>
+      <p:font typeface="Helvetica Neue Light" panose="020B0600070205080204" charset="0"/>
       <p:regular r:id="rId28"/>
       <p:bold r:id="rId29"/>
       <p:italic r:id="rId30"/>
@@ -304,7 +304,7 @@
       <p15:notesGuideLst xmlns:p15="http://schemas.microsoft.com/office/powerpoint/2012/main"/>
     </p:ext>
     <p:ext uri="http://customooxmlschemas.google.com/">
-      <go:slidesCustomData xmlns="" xmlns:go="http://customooxmlschemas.google.com/" xmlns:ahyp="http://schemas.microsoft.com/office/drawing/2018/hyperlinkcolor" xmlns:p15="http://schemas.microsoft.com/office/powerpoint/2012/main" xmlns:p14="http://schemas.microsoft.com/office/powerpoint/2010/main" xmlns:com="http://schemas.openxmlformats.org/drawingml/2006/compatibility" xmlns:pvml="urn:schemas-microsoft-com:office:powerpoint" xmlns:v="urn:schemas-microsoft-com:vml" xmlns:o="urn:schemas-microsoft-com:office:office" xmlns:dgm="http://schemas.openxmlformats.org/drawingml/2006/diagram" xmlns:c="http://schemas.openxmlformats.org/drawingml/2006/chart" xmlns:mv="urn:schemas-microsoft-com:mac:vml" xmlns:mc="http://schemas.openxmlformats.org/markup-compatibility/2006" r:id="rId47" roundtripDataSignature="AMtx7mimICv9YlzhO8JUkVatL8Va69Fidw=="/>
+      <go:slidesCustomData xmlns:mc="http://schemas.openxmlformats.org/markup-compatibility/2006" xmlns:mv="urn:schemas-microsoft-com:mac:vml" xmlns:c="http://schemas.openxmlformats.org/drawingml/2006/chart" xmlns:dgm="http://schemas.openxmlformats.org/drawingml/2006/diagram" xmlns:o="urn:schemas-microsoft-com:office:office" xmlns:v="urn:schemas-microsoft-com:vml" xmlns:pvml="urn:schemas-microsoft-com:office:powerpoint" xmlns:com="http://schemas.openxmlformats.org/drawingml/2006/compatibility" xmlns:p14="http://schemas.microsoft.com/office/powerpoint/2010/main" xmlns:p15="http://schemas.microsoft.com/office/powerpoint/2012/main" xmlns:ahyp="http://schemas.microsoft.com/office/drawing/2018/hyperlinkcolor" xmlns:go="http://customooxmlschemas.google.com/" xmlns="" r:id="rId47" roundtripDataSignature="AMtx7mimICv9YlzhO8JUkVatL8Va69Fidw=="/>
     </p:ext>
   </p:extLst>
 </p:presentation>
@@ -1087,7 +1087,7 @@
             <a:pPr marL="0" indent="0"/>
             <a:r>
               <a:rPr lang="de-DE" sz="1400" dirty="0"/>
-              <a:t>Der Algorithmus für Empfehlungen stellt eine essenzielle Funktion unserer App dar, weshalb wir uns dessen Proof of Concept als unbedingt notwendig empfinden. Für den PoC haben wir eine grobe Recherche bezüglich Algorithmen für Empfehlungen durchgeführt (</a:t>
+              <a:t>Der Algorithmus für Empfehlungen stellt eine essenzielle Funktion unserer App dar, weshalb wir dessen Proof of Concept als unbedingt notwendig empfinden. Für den PoC haben wir eine grobe Recherche bezüglich Algorithmen für Empfehlungen durchgeführt (</a:t>
             </a:r>
             <a:r>
               <a:rPr lang="de-DE" sz="1400" dirty="0">
@@ -1204,7 +1204,7 @@
             <a:pPr marL="0" indent="0"/>
             <a:r>
               <a:rPr lang="de-DE" sz="1400" dirty="0"/>
-              <a:t>In der Recherche zu möglichen Datenbanken hat sich herausgestellt, dass es kaum Brettspieldatenbank gibt die auch eine Schnittstelle anbietet. Abgesehen von Boardgamegeek und APIs, die selber Boardgamegeek nutzen, konnten wir keine Alternative ausfindig machen. Daraus ergab sich das Problem, dass uns zunächst nicht ersichtlich war ob BGG überhaupt die Spiele in Genres einteilt. Die einzige Einteilung, die wir sehen konnten war nach Thematik und einzelnen Mechaniken der Spiele. Am Ende sind wir doch noch darauf gestoßen, wie BGG die Genres einteilt (Community Voting) und wo in den API-Daten wir das finden können.</a:t>
+              <a:t>In der Recherche zu möglichen Datenbanken hat sich herausgestellt, dass es kaum eine Brettspieldatenbank gibt die auch eine Schnittstelle anbietet. Abgesehen von Boardgamegeek und APIs, die selber Boardgamegeek nutzen, konnten wir keine Alternative ausfindig machen. Daraus ergab sich das Problem, dass uns zunächst nicht ersichtlich war ob BGG überhaupt die Spiele in Genres einteilt. Die einzige Einteilung, die wir sehen konnten war nach Thematik und einzelnen Mechaniken der Spiele. Am Ende sind wir doch noch darauf gestoßen, wie BGG die Genres einteilt (Community Voting) und wo in den API-Daten wir das finden können.</a:t>
             </a:r>
           </a:p>
           <a:p>
@@ -1488,7 +1488,7 @@
             <a:pPr marL="0" indent="0"/>
             <a:r>
               <a:rPr lang="de-DE" sz="1400" dirty="0"/>
-              <a:t>Frühe Spieleprototypen sind nicht auf BGG erfasst und somit wären diese für unser System verfügbar. Wir würden also Spieleentwickler darum bitten, nach dem BGG Schema ihre Prototypen einzuordnen. Diese Information muss dann von uns gespeichert werden, damit der </a:t>
+              <a:t>Frühe Spieleprototypen sind nicht auf BGG erfasst und somit wären diese für unser nicht System verfügbar. Wir würden also Spieleentwickler darum bitten, nach dem BGG Schema ihre Prototypen einzuordnen. Diese Information muss dann von uns gespeichert werden, damit der </a:t>
             </a:r>
             <a:r>
               <a:rPr lang="de-DE" sz="1400" dirty="0" err="1"/>
@@ -2948,7 +2948,7 @@
             </a:pPr>
             <a:fld id="{00000000-1234-1234-1234-123412341234}" type="slidenum">
               <a:rPr lang="en-US"/>
-              <a:t>‹Nr.›</a:t>
+              <a:t>‹#›</a:t>
             </a:fld>
             <a:endParaRPr/>
           </a:p>
@@ -3300,7 +3300,7 @@
             </a:pPr>
             <a:fld id="{00000000-1234-1234-1234-123412341234}" type="slidenum">
               <a:rPr lang="en-US"/>
-              <a:t>‹Nr.›</a:t>
+              <a:t>‹#›</a:t>
             </a:fld>
             <a:endParaRPr/>
           </a:p>
@@ -3961,7 +3961,7 @@
             </a:pPr>
             <a:fld id="{00000000-1234-1234-1234-123412341234}" type="slidenum">
               <a:rPr lang="en-US"/>
-              <a:t>‹Nr.›</a:t>
+              <a:t>‹#›</a:t>
             </a:fld>
             <a:endParaRPr/>
           </a:p>
@@ -4265,7 +4265,7 @@
             </a:pPr>
             <a:fld id="{00000000-1234-1234-1234-123412341234}" type="slidenum">
               <a:rPr lang="en-US"/>
-              <a:t>‹Nr.›</a:t>
+              <a:t>‹#›</a:t>
             </a:fld>
             <a:endParaRPr/>
           </a:p>
@@ -4948,7 +4948,7 @@
             </a:pPr>
             <a:fld id="{00000000-1234-1234-1234-123412341234}" type="slidenum">
               <a:rPr lang="en-US"/>
-              <a:t>‹Nr.›</a:t>
+              <a:t>‹#›</a:t>
             </a:fld>
             <a:endParaRPr sz="1600"/>
           </a:p>
@@ -5604,7 +5604,7 @@
             </a:pPr>
             <a:fld id="{00000000-1234-1234-1234-123412341234}" type="slidenum">
               <a:rPr lang="en-US"/>
-              <a:t>‹Nr.›</a:t>
+              <a:t>‹#›</a:t>
             </a:fld>
             <a:endParaRPr sz="1600"/>
           </a:p>
@@ -6263,7 +6263,7 @@
             </a:pPr>
             <a:fld id="{00000000-1234-1234-1234-123412341234}" type="slidenum">
               <a:rPr lang="en-US"/>
-              <a:t>‹Nr.›</a:t>
+              <a:t>‹#›</a:t>
             </a:fld>
             <a:endParaRPr/>
           </a:p>
@@ -6946,7 +6946,7 @@
             </a:pPr>
             <a:fld id="{00000000-1234-1234-1234-123412341234}" type="slidenum">
               <a:rPr lang="en-US"/>
-              <a:t>‹Nr.›</a:t>
+              <a:t>‹#›</a:t>
             </a:fld>
             <a:endParaRPr/>
           </a:p>
@@ -7413,7 +7413,7 @@
             </a:pPr>
             <a:fld id="{00000000-1234-1234-1234-123412341234}" type="slidenum">
               <a:rPr lang="en-US"/>
-              <a:t>‹Nr.›</a:t>
+              <a:t>‹#›</a:t>
             </a:fld>
             <a:endParaRPr/>
           </a:p>
@@ -8097,7 +8097,7 @@
             </a:pPr>
             <a:fld id="{00000000-1234-1234-1234-123412341234}" type="slidenum">
               <a:rPr lang="en-US"/>
-              <a:t>‹Nr.›</a:t>
+              <a:t>‹#›</a:t>
             </a:fld>
             <a:endParaRPr/>
           </a:p>
@@ -8564,7 +8564,7 @@
             </a:pPr>
             <a:fld id="{00000000-1234-1234-1234-123412341234}" type="slidenum">
               <a:rPr lang="en-US"/>
-              <a:t>‹Nr.›</a:t>
+              <a:t>‹#›</a:t>
             </a:fld>
             <a:endParaRPr/>
           </a:p>
@@ -9274,7 +9274,7 @@
             </a:pPr>
             <a:fld id="{00000000-1234-1234-1234-123412341234}" type="slidenum">
               <a:rPr lang="en-US"/>
-              <a:t>‹Nr.›</a:t>
+              <a:t>‹#›</a:t>
             </a:fld>
             <a:endParaRPr/>
           </a:p>
@@ -9957,7 +9957,7 @@
             </a:pPr>
             <a:fld id="{00000000-1234-1234-1234-123412341234}" type="slidenum">
               <a:rPr lang="en-US"/>
-              <a:t>‹Nr.›</a:t>
+              <a:t>‹#›</a:t>
             </a:fld>
             <a:endParaRPr/>
           </a:p>
@@ -10424,7 +10424,7 @@
             </a:pPr>
             <a:fld id="{00000000-1234-1234-1234-123412341234}" type="slidenum">
               <a:rPr lang="en-US"/>
-              <a:t>‹Nr.›</a:t>
+              <a:t>‹#›</a:t>
             </a:fld>
             <a:endParaRPr/>
           </a:p>
@@ -11275,7 +11275,7 @@
             </a:pPr>
             <a:fld id="{00000000-1234-1234-1234-123412341234}" type="slidenum">
               <a:rPr lang="en-US"/>
-              <a:t>‹Nr.›</a:t>
+              <a:t>‹#›</a:t>
             </a:fld>
             <a:endParaRPr sz="1400">
               <a:latin typeface="Arial"/>
@@ -29234,15 +29234,6 @@
 </file>
 
 <file path=customXml/item1.xml><?xml version="1.0" encoding="utf-8"?>
-<?mso-contentType ?>
-<FormTemplates xmlns="http://schemas.microsoft.com/sharepoint/v3/contenttype/forms">
-  <Display>DocumentLibraryForm</Display>
-  <Edit>DocumentLibraryForm</Edit>
-  <New>DocumentLibraryForm</New>
-</FormTemplates>
-</file>
-
-<file path=customXml/item2.xml><?xml version="1.0" encoding="utf-8"?>
 <ct:contentTypeSchema xmlns:ct="http://schemas.microsoft.com/office/2006/metadata/contentType" xmlns:ma="http://schemas.microsoft.com/office/2006/metadata/properties/metaAttributes" ct:_="" ma:_="" ma:contentTypeName="Dokument" ma:contentTypeID="0x010100CE6038D5A9A0634885E6554178F7F1A0" ma:contentTypeVersion="4" ma:contentTypeDescription="Ein neues Dokument erstellen." ma:contentTypeScope="" ma:versionID="c83d3dc0f92a4c87cf5bf9a6169962b2">
   <xsd:schema xmlns:xsd="http://www.w3.org/2001/XMLSchema" xmlns:xs="http://www.w3.org/2001/XMLSchema" xmlns:p="http://schemas.microsoft.com/office/2006/metadata/properties" xmlns:ns3="64cdd1e0-45e1-4db3-bc94-7e6cb21e298a" targetNamespace="http://schemas.microsoft.com/office/2006/metadata/properties" ma:root="true" ma:fieldsID="dedbc3502c77b788e6359a6d34fd83f5" ns3:_="">
     <xsd:import namespace="64cdd1e0-45e1-4db3-bc94-7e6cb21e298a"/>
@@ -29386,6 +29377,15 @@
 </ct:contentTypeSchema>
 </file>
 
+<file path=customXml/item2.xml><?xml version="1.0" encoding="utf-8"?>
+<?mso-contentType ?>
+<FormTemplates xmlns="http://schemas.microsoft.com/sharepoint/v3/contenttype/forms">
+  <Display>DocumentLibraryForm</Display>
+  <Edit>DocumentLibraryForm</Edit>
+  <New>DocumentLibraryForm</New>
+</FormTemplates>
+</file>
+
 <file path=customXml/item3.xml><?xml version="1.0" encoding="utf-8"?>
 <p:properties xmlns:p="http://schemas.microsoft.com/office/2006/metadata/properties" xmlns:xsi="http://www.w3.org/2001/XMLSchema-instance" xmlns:pc="http://schemas.microsoft.com/office/infopath/2007/PartnerControls">
   <documentManagement>
@@ -29395,14 +29395,6 @@
 </file>
 
 <file path=customXml/itemProps1.xml><?xml version="1.0" encoding="utf-8"?>
-<ds:datastoreItem xmlns:ds="http://schemas.openxmlformats.org/officeDocument/2006/customXml" ds:itemID="{8E3ACAEB-12A7-4E57-AD4B-3486E243683D}">
-  <ds:schemaRefs>
-    <ds:schemaRef ds:uri="http://schemas.microsoft.com/sharepoint/v3/contenttype/forms"/>
-  </ds:schemaRefs>
-</ds:datastoreItem>
-</file>
-
-<file path=customXml/itemProps2.xml><?xml version="1.0" encoding="utf-8"?>
 <ds:datastoreItem xmlns:ds="http://schemas.openxmlformats.org/officeDocument/2006/customXml" ds:itemID="{4755DCC8-0589-47AC-93D6-B6A700FA8E1F}">
   <ds:schemaRefs>
     <ds:schemaRef ds:uri="64cdd1e0-45e1-4db3-bc94-7e6cb21e298a"/>
@@ -29416,6 +29408,14 @@
     <ds:schemaRef ds:uri="http://schemas.microsoft.com/office/infopath/2007/PartnerControls"/>
     <ds:schemaRef ds:uri="http://schemas.openxmlformats.org/package/2006/metadata/core-properties"/>
     <ds:schemaRef ds:uri="http://www.w3.org/2001/XMLSchema"/>
+  </ds:schemaRefs>
+</ds:datastoreItem>
+</file>
+
+<file path=customXml/itemProps2.xml><?xml version="1.0" encoding="utf-8"?>
+<ds:datastoreItem xmlns:ds="http://schemas.openxmlformats.org/officeDocument/2006/customXml" ds:itemID="{8E3ACAEB-12A7-4E57-AD4B-3486E243683D}">
+  <ds:schemaRefs>
+    <ds:schemaRef ds:uri="http://schemas.microsoft.com/sharepoint/v3/contenttype/forms"/>
   </ds:schemaRefs>
 </ds:datastoreItem>
 </file>
